--- a/202312/exec_command/element/reference/fig/fig001.pptx
+++ b/202312/exec_command/element/reference/fig/fig001.pptx
@@ -104,6 +104,11 @@
       </a:defRPr>
     </a:lvl9pPr>
   </p:defaultTextStyle>
+  <p:extLst>
+    <p:ext uri="{EFAFB233-063F-42B5-8137-9DF3F51BA10A}">
+      <p15:sldGuideLst xmlns:p15="http://schemas.microsoft.com/office/powerpoint/2012/main"/>
+    </p:ext>
+  </p:extLst>
 </p:presentation>
 </file>
 
@@ -253,7 +258,7 @@
           <a:lstStyle/>
           <a:p>
             <a:fld id="{4EB8FCE9-CF21-EC44-8220-0D73A7C02086}" type="datetimeFigureOut">
-              <a:t>2025/9/18</a:t>
+              <a:t>2025/9/30</a:t>
             </a:fld>
             <a:endParaRPr kumimoji="1" lang="ja-JP" altLang="en-US"/>
           </a:p>
@@ -481,7 +486,7 @@
           <a:lstStyle/>
           <a:p>
             <a:fld id="{4EB8FCE9-CF21-EC44-8220-0D73A7C02086}" type="datetimeFigureOut">
-              <a:t>2025/9/18</a:t>
+              <a:t>2025/9/30</a:t>
             </a:fld>
             <a:endParaRPr kumimoji="1" lang="ja-JP" altLang="en-US"/>
           </a:p>
@@ -719,7 +724,7 @@
           <a:lstStyle/>
           <a:p>
             <a:fld id="{4EB8FCE9-CF21-EC44-8220-0D73A7C02086}" type="datetimeFigureOut">
-              <a:t>2025/9/18</a:t>
+              <a:t>2025/9/30</a:t>
             </a:fld>
             <a:endParaRPr kumimoji="1" lang="ja-JP" altLang="en-US"/>
           </a:p>
@@ -947,7 +952,7 @@
           <a:lstStyle/>
           <a:p>
             <a:fld id="{4EB8FCE9-CF21-EC44-8220-0D73A7C02086}" type="datetimeFigureOut">
-              <a:t>2025/9/18</a:t>
+              <a:t>2025/9/30</a:t>
             </a:fld>
             <a:endParaRPr kumimoji="1" lang="ja-JP" altLang="en-US"/>
           </a:p>
@@ -1220,7 +1225,7 @@
           <a:lstStyle/>
           <a:p>
             <a:fld id="{4EB8FCE9-CF21-EC44-8220-0D73A7C02086}" type="datetimeFigureOut">
-              <a:t>2025/9/18</a:t>
+              <a:t>2025/9/30</a:t>
             </a:fld>
             <a:endParaRPr kumimoji="1" lang="ja-JP" altLang="en-US"/>
           </a:p>
@@ -1547,7 +1552,7 @@
           <a:lstStyle/>
           <a:p>
             <a:fld id="{4EB8FCE9-CF21-EC44-8220-0D73A7C02086}" type="datetimeFigureOut">
-              <a:t>2025/9/18</a:t>
+              <a:t>2025/9/30</a:t>
             </a:fld>
             <a:endParaRPr kumimoji="1" lang="ja-JP" altLang="en-US"/>
           </a:p>
@@ -2021,7 +2026,7 @@
           <a:lstStyle/>
           <a:p>
             <a:fld id="{4EB8FCE9-CF21-EC44-8220-0D73A7C02086}" type="datetimeFigureOut">
-              <a:t>2025/9/18</a:t>
+              <a:t>2025/9/30</a:t>
             </a:fld>
             <a:endParaRPr kumimoji="1" lang="ja-JP" altLang="en-US"/>
           </a:p>
@@ -2160,7 +2165,7 @@
           <a:lstStyle/>
           <a:p>
             <a:fld id="{4EB8FCE9-CF21-EC44-8220-0D73A7C02086}" type="datetimeFigureOut">
-              <a:t>2025/9/18</a:t>
+              <a:t>2025/9/30</a:t>
             </a:fld>
             <a:endParaRPr kumimoji="1" lang="ja-JP" altLang="en-US"/>
           </a:p>
@@ -2271,7 +2276,7 @@
           <a:lstStyle/>
           <a:p>
             <a:fld id="{4EB8FCE9-CF21-EC44-8220-0D73A7C02086}" type="datetimeFigureOut">
-              <a:t>2025/9/18</a:t>
+              <a:t>2025/9/30</a:t>
             </a:fld>
             <a:endParaRPr kumimoji="1" lang="ja-JP" altLang="en-US"/>
           </a:p>
@@ -2612,7 +2617,7 @@
           <a:lstStyle/>
           <a:p>
             <a:fld id="{4EB8FCE9-CF21-EC44-8220-0D73A7C02086}" type="datetimeFigureOut">
-              <a:t>2025/9/18</a:t>
+              <a:t>2025/9/30</a:t>
             </a:fld>
             <a:endParaRPr kumimoji="1" lang="ja-JP" altLang="en-US"/>
           </a:p>
@@ -2898,7 +2903,7 @@
           <a:lstStyle/>
           <a:p>
             <a:fld id="{4EB8FCE9-CF21-EC44-8220-0D73A7C02086}" type="datetimeFigureOut">
-              <a:t>2025/9/18</a:t>
+              <a:t>2025/9/30</a:t>
             </a:fld>
             <a:endParaRPr kumimoji="1" lang="ja-JP" altLang="en-US"/>
           </a:p>
@@ -3169,7 +3174,7 @@
           </a:lstStyle>
           <a:p>
             <a:fld id="{4EB8FCE9-CF21-EC44-8220-0D73A7C02086}" type="datetimeFigureOut">
-              <a:t>2025/9/18</a:t>
+              <a:t>2025/9/30</a:t>
             </a:fld>
             <a:endParaRPr kumimoji="1" lang="ja-JP" altLang="en-US"/>
           </a:p>
@@ -3601,12 +3606,17 @@
         </p:nvCxnSpPr>
         <p:spPr>
           <a:xfrm>
-            <a:off x="613775" y="4880301"/>
+            <a:off x="661530" y="5591501"/>
             <a:ext cx="9845458" cy="0"/>
           </a:xfrm>
           <a:prstGeom prst="line">
             <a:avLst/>
           </a:prstGeom>
+          <a:ln>
+            <a:solidFill>
+              <a:schemeClr val="tx1"/>
+            </a:solidFill>
+          </a:ln>
         </p:spPr>
         <p:style>
           <a:lnRef idx="2">
@@ -3639,12 +3649,17 @@
         </p:nvCxnSpPr>
         <p:spPr>
           <a:xfrm>
-            <a:off x="1490597" y="519625"/>
-            <a:ext cx="0" cy="5210827"/>
+            <a:off x="1525826" y="800100"/>
+            <a:ext cx="0" cy="5641552"/>
           </a:xfrm>
           <a:prstGeom prst="line">
             <a:avLst/>
           </a:prstGeom>
+          <a:ln>
+            <a:solidFill>
+              <a:schemeClr val="tx1"/>
+            </a:solidFill>
+          </a:ln>
         </p:spPr>
         <p:style>
           <a:lnRef idx="2">
@@ -3675,8 +3690,8 @@
         </p:nvSpPr>
         <p:spPr>
           <a:xfrm>
-            <a:off x="1490597" y="4903736"/>
-            <a:ext cx="1922321" cy="646331"/>
+            <a:off x="1237728" y="5614936"/>
+            <a:ext cx="312906" cy="369332"/>
           </a:xfrm>
           <a:prstGeom prst="rect">
             <a:avLst/>
@@ -3694,13 +3709,6 @@
               <a:t>0</a:t>
             </a:r>
           </a:p>
-          <a:p>
-            <a:r>
-              <a:rPr lang="en-US" altLang="ja-JP"/>
-              <a:t>(published year)</a:t>
-            </a:r>
-            <a:endParaRPr kumimoji="1" lang="ja-JP" altLang="en-US"/>
-          </a:p>
         </p:txBody>
       </p:sp>
       <p:sp>
@@ -3717,7 +3725,7 @@
         </p:nvSpPr>
         <p:spPr>
           <a:xfrm>
-            <a:off x="1490597" y="657415"/>
+            <a:off x="1517086" y="1368615"/>
             <a:ext cx="8342335" cy="4233795"/>
           </a:xfrm>
           <a:custGeom>
@@ -3812,8 +3820,8 @@
         </p:nvSpPr>
         <p:spPr>
           <a:xfrm>
-            <a:off x="10143049" y="4903736"/>
-            <a:ext cx="1552417" cy="646331"/>
+            <a:off x="10264197" y="5905017"/>
+            <a:ext cx="1566859" cy="338554"/>
           </a:xfrm>
           <a:prstGeom prst="rect">
             <a:avLst/>
@@ -3827,16 +3835,9 @@
           <a:lstStyle/>
           <a:p>
             <a:r>
-              <a:rPr kumimoji="1" lang="en-US" altLang="ja-JP"/>
-              <a:t>X</a:t>
-            </a:r>
-          </a:p>
-          <a:p>
-            <a:r>
-              <a:rPr lang="en-US" altLang="ja-JP"/>
-              <a:t>elapsed year</a:t>
-            </a:r>
-            <a:endParaRPr kumimoji="1" lang="en-US" altLang="ja-JP"/>
+              <a:rPr lang="en-US" altLang="ja-JP" sz="1600"/>
+              <a:t>Elapsed year</a:t>
+            </a:r>
           </a:p>
         </p:txBody>
       </p:sp>
@@ -3856,13 +3857,16 @@
         </p:nvCxnSpPr>
         <p:spPr>
           <a:xfrm>
-            <a:off x="3306871" y="673594"/>
+            <a:off x="3354626" y="1384794"/>
             <a:ext cx="75156" cy="4206707"/>
           </a:xfrm>
           <a:prstGeom prst="line">
             <a:avLst/>
           </a:prstGeom>
           <a:ln>
+            <a:solidFill>
+              <a:schemeClr val="tx1"/>
+            </a:solidFill>
             <a:prstDash val="dash"/>
             <a:headEnd type="arrow"/>
             <a:tailEnd type="arrow"/>
@@ -3899,14 +3903,17 @@
         </p:nvCxnSpPr>
         <p:spPr>
           <a:xfrm>
-            <a:off x="7255501" y="4397341"/>
-            <a:ext cx="0" cy="459526"/>
+            <a:off x="7300135" y="5049958"/>
+            <a:ext cx="3121" cy="530809"/>
           </a:xfrm>
           <a:prstGeom prst="line">
             <a:avLst/>
           </a:prstGeom>
-          <a:ln>
-            <a:prstDash val="dash"/>
+          <a:ln cmpd="sng">
+            <a:solidFill>
+              <a:schemeClr val="tx1"/>
+            </a:solidFill>
+            <a:prstDash val="solid"/>
           </a:ln>
         </p:spPr>
         <p:style>
@@ -3940,14 +3947,17 @@
         </p:nvCxnSpPr>
         <p:spPr>
           <a:xfrm>
-            <a:off x="7481641" y="4397341"/>
+            <a:off x="7529396" y="5128990"/>
             <a:ext cx="0" cy="449698"/>
           </a:xfrm>
           <a:prstGeom prst="line">
             <a:avLst/>
           </a:prstGeom>
           <a:ln>
-            <a:prstDash val="dash"/>
+            <a:solidFill>
+              <a:schemeClr val="tx1"/>
+            </a:solidFill>
+            <a:prstDash val="solid"/>
           </a:ln>
         </p:spPr>
         <p:style>
@@ -3980,14 +3990,17 @@
           <p:nvPr/>
         </p:nvCxnSpPr>
         <p:spPr>
-          <a:xfrm>
-            <a:off x="1480765" y="4530074"/>
-            <a:ext cx="1922321" cy="0"/>
+          <a:xfrm flipV="1">
+            <a:off x="1535017" y="5241274"/>
+            <a:ext cx="1915824" cy="4829"/>
           </a:xfrm>
           <a:prstGeom prst="line">
             <a:avLst/>
           </a:prstGeom>
           <a:ln>
+            <a:solidFill>
+              <a:schemeClr val="tx1"/>
+            </a:solidFill>
             <a:headEnd type="arrow"/>
             <a:tailEnd type="arrow"/>
           </a:ln>
@@ -4023,13 +4036,16 @@
         </p:nvCxnSpPr>
         <p:spPr>
           <a:xfrm>
-            <a:off x="3372195" y="4530074"/>
+            <a:off x="3419950" y="5241274"/>
             <a:ext cx="4099614" cy="0"/>
           </a:xfrm>
           <a:prstGeom prst="line">
             <a:avLst/>
           </a:prstGeom>
           <a:ln>
+            <a:solidFill>
+              <a:schemeClr val="tx1"/>
+            </a:solidFill>
             <a:headEnd type="arrow"/>
             <a:tailEnd type="arrow"/>
           </a:ln>
@@ -4049,86 +4065,6 @@
           </a:fontRef>
         </p:style>
       </p:cxnSp>
-      <p:sp>
-        <p:nvSpPr>
-          <p:cNvPr id="45" name="テキスト ボックス 44">
-            <a:extLst>
-              <a:ext uri="{FF2B5EF4-FFF2-40B4-BE49-F238E27FC236}">
-                <a16:creationId xmlns:a16="http://schemas.microsoft.com/office/drawing/2014/main" id="{35914B6E-4DD4-CA5B-6B2C-EF8C6FD9A8E0}"/>
-              </a:ext>
-            </a:extLst>
-          </p:cNvPr>
-          <p:cNvSpPr txBox="1"/>
-          <p:nvPr/>
-        </p:nvSpPr>
-        <p:spPr>
-          <a:xfrm>
-            <a:off x="7481637" y="4891210"/>
-            <a:ext cx="662595" cy="369332"/>
-          </a:xfrm>
-          <a:prstGeom prst="rect">
-            <a:avLst/>
-          </a:prstGeom>
-          <a:noFill/>
-        </p:spPr>
-        <p:txBody>
-          <a:bodyPr wrap="square" rtlCol="0">
-            <a:spAutoFit/>
-          </a:bodyPr>
-          <a:lstStyle/>
-          <a:p>
-            <a:r>
-              <a:rPr kumimoji="1" lang="en-US" altLang="ja-JP"/>
-              <a:t>X</a:t>
-            </a:r>
-            <a:r>
-              <a:rPr kumimoji="1" lang="en-US" altLang="ja-JP" baseline="-25000"/>
-              <a:t>d</a:t>
-            </a:r>
-            <a:endParaRPr kumimoji="1" lang="en-US" altLang="ja-JP"/>
-          </a:p>
-        </p:txBody>
-      </p:sp>
-      <p:sp>
-        <p:nvSpPr>
-          <p:cNvPr id="46" name="テキスト ボックス 45">
-            <a:extLst>
-              <a:ext uri="{FF2B5EF4-FFF2-40B4-BE49-F238E27FC236}">
-                <a16:creationId xmlns:a16="http://schemas.microsoft.com/office/drawing/2014/main" id="{DA772FA8-F52F-293E-DAE9-F7D532C64B27}"/>
-              </a:ext>
-            </a:extLst>
-          </p:cNvPr>
-          <p:cNvSpPr txBox="1"/>
-          <p:nvPr/>
-        </p:nvSpPr>
-        <p:spPr>
-          <a:xfrm>
-            <a:off x="6843626" y="4891801"/>
-            <a:ext cx="638011" cy="369332"/>
-          </a:xfrm>
-          <a:prstGeom prst="rect">
-            <a:avLst/>
-          </a:prstGeom>
-          <a:noFill/>
-        </p:spPr>
-        <p:txBody>
-          <a:bodyPr wrap="square" rtlCol="0">
-            <a:spAutoFit/>
-          </a:bodyPr>
-          <a:lstStyle/>
-          <a:p>
-            <a:r>
-              <a:rPr kumimoji="1" lang="en-US" altLang="ja-JP"/>
-              <a:t>X</a:t>
-            </a:r>
-            <a:r>
-              <a:rPr kumimoji="1" lang="en-US" altLang="ja-JP" baseline="-25000"/>
-              <a:t>d-1</a:t>
-            </a:r>
-            <a:endParaRPr kumimoji="1" lang="en-US" altLang="ja-JP"/>
-          </a:p>
-        </p:txBody>
-      </p:sp>
       <mc:AlternateContent xmlns:mc="http://schemas.openxmlformats.org/markup-compatibility/2006">
         <mc:Choice xmlns:a14="http://schemas.microsoft.com/office/drawing/2010/main" Requires="a14">
           <p:sp>
@@ -4145,8 +4081,8 @@
             </p:nvSpPr>
             <p:spPr>
               <a:xfrm>
-                <a:off x="5461330" y="2616573"/>
-                <a:ext cx="1350947" cy="687881"/>
+                <a:off x="4839868" y="847128"/>
+                <a:ext cx="1443857" cy="633828"/>
               </a:xfrm>
               <a:prstGeom prst="rect">
                 <a:avLst/>
@@ -4159,6 +4095,7 @@
               </a:bodyPr>
               <a:lstStyle/>
               <a:p>
+                <a:pPr/>
                 <a14:m>
                   <m:oMathPara xmlns:m="http://schemas.openxmlformats.org/officeDocument/2006/math">
                     <m:oMathParaPr>
@@ -4186,11 +4123,10 @@
                         </m:sub>
                         <m:sup>
                           <m:r>
-                            <m:rPr>
-                              <m:nor/>
-                            </m:rPr>
-                            <a:rPr lang="en-US" altLang="ja-JP"/>
-                            <m:t>X</m:t>
+                            <a:rPr lang="en-US" altLang="ja-JP" i="1">
+                              <a:latin typeface="Cambria Math" panose="02040503050406030204" pitchFamily="18" charset="0"/>
+                            </a:rPr>
+                            <m:t>𝑥</m:t>
                           </m:r>
                           <m:r>
                             <m:rPr>
@@ -4203,16 +4139,23 @@
                             <m:rPr>
                               <m:nor/>
                             </m:rPr>
+                            <a:rPr lang="en-US" altLang="ja-JP" b="0" i="0" baseline="-25000"/>
+                            <m:t>−1</m:t>
+                          </m:r>
+                          <m:r>
+                            <m:rPr>
+                              <m:nor/>
+                            </m:rPr>
                             <a:rPr lang="en-US" altLang="ja-JP"/>
                             <m:t> </m:t>
                           </m:r>
                         </m:sup>
                         <m:e>
                           <m:r>
-                            <a:rPr kumimoji="1" lang="en-US" altLang="ja-JP" b="0" i="1">
+                            <a:rPr lang="en-US" altLang="ja-JP" b="0" i="1">
                               <a:latin typeface="Cambria Math" panose="02040503050406030204" pitchFamily="18" charset="0"/>
                             </a:rPr>
-                            <m:t>𝑓</m:t>
+                            <m:t>𝐶</m:t>
                           </m:r>
                           <m:d>
                             <m:dPr>
@@ -4227,7 +4170,7 @@
                                 <a:rPr kumimoji="1" lang="en-US" altLang="ja-JP" b="0" i="1">
                                   <a:latin typeface="Cambria Math" panose="02040503050406030204" pitchFamily="18" charset="0"/>
                                 </a:rPr>
-                                <m:t>𝑋</m:t>
+                                <m:t>𝑥</m:t>
                               </m:r>
                             </m:e>
                           </m:d>
@@ -4270,8 +4213,8 @@
             </p:nvSpPr>
             <p:spPr>
               <a:xfrm>
-                <a:off x="5461330" y="2616573"/>
-                <a:ext cx="1350947" cy="687881"/>
+                <a:off x="4839868" y="847128"/>
+                <a:ext cx="1443857" cy="633828"/>
               </a:xfrm>
               <a:prstGeom prst="rect">
                 <a:avLst/>
@@ -4279,7 +4222,7 @@
               <a:blipFill>
                 <a:blip r:embed="rId2"/>
                 <a:stretch>
-                  <a:fillRect l="-71028" t="-150000" r="-2804" b="-241071"/>
+                  <a:fillRect l="-69298" t="-174510" r="-6140" b="-264706"/>
                 </a:stretch>
               </a:blipFill>
             </p:spPr>
@@ -4314,8 +4257,8 @@
             </p:nvSpPr>
             <p:spPr>
               <a:xfrm>
-                <a:off x="8009333" y="3678976"/>
-                <a:ext cx="1503232" cy="689612"/>
+                <a:off x="4820655" y="1543375"/>
+                <a:ext cx="1445459" cy="633571"/>
               </a:xfrm>
               <a:prstGeom prst="rect">
                 <a:avLst/>
@@ -4328,6 +4271,7 @@
               </a:bodyPr>
               <a:lstStyle/>
               <a:p>
+                <a:pPr/>
                 <a14:m>
                   <m:oMathPara xmlns:m="http://schemas.openxmlformats.org/officeDocument/2006/math">
                     <m:oMathParaPr>
@@ -4344,22 +4288,10 @@
                         </m:naryPr>
                         <m:sub>
                           <m:r>
-                            <m:rPr>
-                              <m:brk m:alnAt="23"/>
-                            </m:rPr>
-                            <a:rPr kumimoji="1" lang="en-US" altLang="ja-JP" b="0" i="1">
+                            <a:rPr lang="en-US" altLang="ja-JP" i="1">
                               <a:latin typeface="Cambria Math" panose="02040503050406030204" pitchFamily="18" charset="0"/>
                             </a:rPr>
-                            <m:t>0</m:t>
-                          </m:r>
-                        </m:sub>
-                        <m:sup>
-                          <m:r>
-                            <m:rPr>
-                              <m:nor/>
-                            </m:rPr>
-                            <a:rPr lang="en-US" altLang="ja-JP"/>
-                            <m:t>X</m:t>
+                            <m:t>𝑥</m:t>
                           </m:r>
                           <m:r>
                             <m:rPr>
@@ -4372,8 +4304,23 @@
                             <m:rPr>
                               <m:nor/>
                             </m:rPr>
-                            <a:rPr lang="en-US" altLang="ja-JP" b="0" i="0" baseline="-25000"/>
-                            <m:t>-1</m:t>
+                            <a:rPr lang="en-US" altLang="ja-JP" baseline="-25000"/>
+                            <m:t>−1 </m:t>
+                          </m:r>
+                        </m:sub>
+                        <m:sup>
+                          <m:r>
+                            <a:rPr kumimoji="1" lang="en-US" altLang="ja-JP" b="0" i="1">
+                              <a:latin typeface="Cambria Math" panose="02040503050406030204" pitchFamily="18" charset="0"/>
+                            </a:rPr>
+                            <m:t>𝑥</m:t>
+                          </m:r>
+                          <m:r>
+                            <m:rPr>
+                              <m:nor/>
+                            </m:rPr>
+                            <a:rPr lang="en-US" altLang="ja-JP" baseline="-25000"/>
+                            <m:t>d</m:t>
                           </m:r>
                           <m:r>
                             <m:rPr>
@@ -4385,10 +4332,10 @@
                         </m:sup>
                         <m:e>
                           <m:r>
-                            <a:rPr kumimoji="1" lang="en-US" altLang="ja-JP" b="0" i="1">
+                            <a:rPr lang="en-US" altLang="ja-JP" b="0" i="1">
                               <a:latin typeface="Cambria Math" panose="02040503050406030204" pitchFamily="18" charset="0"/>
                             </a:rPr>
-                            <m:t>𝑓</m:t>
+                            <m:t>𝐶</m:t>
                           </m:r>
                           <m:d>
                             <m:dPr>
@@ -4403,7 +4350,7 @@
                                 <a:rPr kumimoji="1" lang="en-US" altLang="ja-JP" b="0" i="1">
                                   <a:latin typeface="Cambria Math" panose="02040503050406030204" pitchFamily="18" charset="0"/>
                                 </a:rPr>
-                                <m:t>𝑋</m:t>
+                                <m:t>𝑥</m:t>
                               </m:r>
                             </m:e>
                           </m:d>
@@ -4446,8 +4393,8 @@
             </p:nvSpPr>
             <p:spPr>
               <a:xfrm>
-                <a:off x="8009333" y="3678976"/>
-                <a:ext cx="1503232" cy="689612"/>
+                <a:off x="4820655" y="1543375"/>
+                <a:ext cx="1445459" cy="633571"/>
               </a:xfrm>
               <a:prstGeom prst="rect">
                 <a:avLst/>
@@ -4455,7 +4402,7 @@
               <a:blipFill>
                 <a:blip r:embed="rId3"/>
                 <a:stretch>
-                  <a:fillRect l="-63025" t="-150000" r="-3361" b="-241071"/>
+                  <a:fillRect l="-64348" t="-174510" r="-1739" b="-262745"/>
                 </a:stretch>
               </a:blipFill>
             </p:spPr>
@@ -4490,7 +4437,7 @@
         </p:nvCxnSpPr>
         <p:spPr>
           <a:xfrm flipH="1">
-            <a:off x="7257294" y="4424261"/>
+            <a:off x="7305049" y="5135461"/>
             <a:ext cx="224348" cy="258097"/>
           </a:xfrm>
           <a:prstGeom prst="line">
@@ -4531,7 +4478,7 @@
         </p:nvCxnSpPr>
         <p:spPr>
           <a:xfrm flipH="1">
-            <a:off x="7262210" y="4537333"/>
+            <a:off x="7309965" y="5248533"/>
             <a:ext cx="224348" cy="258097"/>
           </a:xfrm>
           <a:prstGeom prst="line">
@@ -4572,13 +4519,16 @@
         </p:nvCxnSpPr>
         <p:spPr>
           <a:xfrm flipH="1">
-            <a:off x="7316290" y="4689616"/>
+            <a:off x="7364045" y="5400816"/>
             <a:ext cx="172060" cy="189389"/>
           </a:xfrm>
           <a:prstGeom prst="line">
             <a:avLst/>
           </a:prstGeom>
           <a:ln>
+            <a:solidFill>
+              <a:schemeClr val="accent3"/>
+            </a:solidFill>
             <a:prstDash val="dash"/>
           </a:ln>
         </p:spPr>
@@ -4613,7 +4563,7 @@
         </p:nvCxnSpPr>
         <p:spPr>
           <a:xfrm flipH="1">
-            <a:off x="7252380" y="4392944"/>
+            <a:off x="7300135" y="5104144"/>
             <a:ext cx="142335" cy="137017"/>
           </a:xfrm>
           <a:prstGeom prst="line">
@@ -4654,7 +4604,7 @@
         </p:nvCxnSpPr>
         <p:spPr>
           <a:xfrm>
-            <a:off x="7934636" y="1750939"/>
+            <a:off x="5893568" y="2858583"/>
             <a:ext cx="695047" cy="0"/>
           </a:xfrm>
           <a:prstGeom prst="line">
@@ -4690,7 +4640,7 @@
         </p:nvCxnSpPr>
         <p:spPr>
           <a:xfrm>
-            <a:off x="1843257" y="3883742"/>
+            <a:off x="1891012" y="4594942"/>
             <a:ext cx="998266" cy="963297"/>
           </a:xfrm>
           <a:prstGeom prst="line">
@@ -4731,7 +4681,7 @@
         </p:nvCxnSpPr>
         <p:spPr>
           <a:xfrm>
-            <a:off x="2059202" y="3038896"/>
+            <a:off x="2106957" y="3750096"/>
             <a:ext cx="1862830" cy="1817971"/>
           </a:xfrm>
           <a:prstGeom prst="line">
@@ -4772,7 +4722,7 @@
         </p:nvCxnSpPr>
         <p:spPr>
           <a:xfrm>
-            <a:off x="2342390" y="2235611"/>
+            <a:off x="2390145" y="2946811"/>
             <a:ext cx="2703063" cy="2621256"/>
           </a:xfrm>
           <a:prstGeom prst="line">
@@ -4813,7 +4763,7 @@
         </p:nvCxnSpPr>
         <p:spPr>
           <a:xfrm>
-            <a:off x="2640107" y="1495300"/>
+            <a:off x="2687862" y="2206500"/>
             <a:ext cx="3476705" cy="3375173"/>
           </a:xfrm>
           <a:prstGeom prst="line">
@@ -4854,7 +4804,7 @@
         </p:nvCxnSpPr>
         <p:spPr>
           <a:xfrm>
-            <a:off x="2995466" y="883418"/>
+            <a:off x="3043221" y="1594618"/>
             <a:ext cx="1000460" cy="1008625"/>
           </a:xfrm>
           <a:prstGeom prst="line">
@@ -4895,7 +4845,7 @@
         </p:nvCxnSpPr>
         <p:spPr>
           <a:xfrm>
-            <a:off x="6194962" y="4028009"/>
+            <a:off x="6242717" y="4739209"/>
             <a:ext cx="893953" cy="828858"/>
           </a:xfrm>
           <a:prstGeom prst="line">
@@ -4934,8 +4884,8 @@
         </p:nvSpPr>
         <p:spPr>
           <a:xfrm>
-            <a:off x="3240595" y="313586"/>
-            <a:ext cx="1362874" cy="369332"/>
+            <a:off x="166945" y="1146371"/>
+            <a:ext cx="1247457" cy="338554"/>
           </a:xfrm>
           <a:prstGeom prst="rect">
             <a:avLst/>
@@ -4949,10 +4899,14 @@
           <a:lstStyle/>
           <a:p>
             <a:r>
-              <a:rPr kumimoji="1" lang="en-US" altLang="ja-JP"/>
-              <a:t>paek count</a:t>
-            </a:r>
-            <a:endParaRPr kumimoji="1" lang="ja-JP" altLang="en-US"/>
+              <a:rPr lang="en-US" altLang="ja-JP" sz="1600"/>
+              <a:t>P</a:t>
+            </a:r>
+            <a:r>
+              <a:rPr kumimoji="1" lang="en-US" altLang="ja-JP" sz="1600"/>
+              <a:t>aek count</a:t>
+            </a:r>
+            <a:endParaRPr kumimoji="1" lang="ja-JP" altLang="en-US" sz="1600"/>
           </a:p>
         </p:txBody>
       </p:sp>
@@ -4970,8 +4924,8 @@
         </p:nvSpPr>
         <p:spPr>
           <a:xfrm>
-            <a:off x="4061245" y="4028009"/>
-            <a:ext cx="1326004" cy="369332"/>
+            <a:off x="4109000" y="4790009"/>
+            <a:ext cx="1580882" cy="369332"/>
           </a:xfrm>
           <a:prstGeom prst="rect">
             <a:avLst/>
@@ -4991,11 +4945,11 @@
           <a:p>
             <a:r>
               <a:rPr lang="en-US" altLang="ja-JP"/>
-              <a:t>decay</a:t>
+              <a:t>Decay</a:t>
             </a:r>
             <a:r>
               <a:rPr kumimoji="1" lang="en-US" altLang="ja-JP"/>
-              <a:t> year</a:t>
+              <a:t> period</a:t>
             </a:r>
             <a:endParaRPr kumimoji="1" lang="ja-JP" altLang="en-US"/>
           </a:p>
@@ -5015,8 +4969,8 @@
         </p:nvSpPr>
         <p:spPr>
           <a:xfrm>
-            <a:off x="1843257" y="4028009"/>
-            <a:ext cx="1217000" cy="369332"/>
+            <a:off x="1891012" y="4802709"/>
+            <a:ext cx="1451038" cy="369332"/>
           </a:xfrm>
           <a:prstGeom prst="rect">
             <a:avLst/>
@@ -5032,8 +4986,12 @@
           <a:lstStyle/>
           <a:p>
             <a:r>
+              <a:rPr lang="en-US" altLang="ja-JP"/>
+              <a:t>P</a:t>
+            </a:r>
+            <a:r>
               <a:rPr kumimoji="1" lang="en-US" altLang="ja-JP"/>
-              <a:t>peak year</a:t>
+              <a:t>eak period</a:t>
             </a:r>
             <a:endParaRPr kumimoji="1" lang="ja-JP" altLang="en-US"/>
           </a:p>
@@ -5041,10 +4999,10 @@
       </p:sp>
       <p:sp>
         <p:nvSpPr>
-          <p:cNvPr id="77" name="テキスト ボックス 76">
-            <a:extLst>
-              <a:ext uri="{FF2B5EF4-FFF2-40B4-BE49-F238E27FC236}">
-                <a16:creationId xmlns:a16="http://schemas.microsoft.com/office/drawing/2014/main" id="{085717F2-7F7F-E091-1CDE-2B512F159CB7}"/>
+          <p:cNvPr id="78" name="テキスト ボックス 77">
+            <a:extLst>
+              <a:ext uri="{FF2B5EF4-FFF2-40B4-BE49-F238E27FC236}">
+                <a16:creationId xmlns:a16="http://schemas.microsoft.com/office/drawing/2014/main" id="{B0ADD3A9-EC0A-1A56-5944-97418FDC0EF0}"/>
               </a:ext>
             </a:extLst>
           </p:cNvPr>
@@ -5053,8 +5011,8 @@
         </p:nvSpPr>
         <p:spPr>
           <a:xfrm>
-            <a:off x="3240595" y="4887934"/>
-            <a:ext cx="662595" cy="369332"/>
+            <a:off x="3482199" y="3803564"/>
+            <a:ext cx="343364" cy="369332"/>
           </a:xfrm>
           <a:prstGeom prst="rect">
             <a:avLst/>
@@ -5062,46 +5020,6 @@
           <a:noFill/>
         </p:spPr>
         <p:txBody>
-          <a:bodyPr wrap="square" rtlCol="0">
-            <a:spAutoFit/>
-          </a:bodyPr>
-          <a:lstStyle/>
-          <a:p>
-            <a:r>
-              <a:rPr kumimoji="1" lang="en-US" altLang="ja-JP"/>
-              <a:t>X</a:t>
-            </a:r>
-            <a:r>
-              <a:rPr lang="en-US" altLang="ja-JP" baseline="-25000"/>
-              <a:t>p</a:t>
-            </a:r>
-            <a:endParaRPr kumimoji="1" lang="en-US" altLang="ja-JP"/>
-          </a:p>
-        </p:txBody>
-      </p:sp>
-      <p:sp>
-        <p:nvSpPr>
-          <p:cNvPr id="78" name="テキスト ボックス 77">
-            <a:extLst>
-              <a:ext uri="{FF2B5EF4-FFF2-40B4-BE49-F238E27FC236}">
-                <a16:creationId xmlns:a16="http://schemas.microsoft.com/office/drawing/2014/main" id="{B0ADD3A9-EC0A-1A56-5944-97418FDC0EF0}"/>
-              </a:ext>
-            </a:extLst>
-          </p:cNvPr>
-          <p:cNvSpPr txBox="1"/>
-          <p:nvPr/>
-        </p:nvSpPr>
-        <p:spPr>
-          <a:xfrm>
-            <a:off x="4956521" y="2774312"/>
-            <a:ext cx="479618" cy="369332"/>
-          </a:xfrm>
-          <a:prstGeom prst="rect">
-            <a:avLst/>
-          </a:prstGeom>
-          <a:noFill/>
-        </p:spPr>
-        <p:txBody>
           <a:bodyPr wrap="none" rtlCol="0">
             <a:spAutoFit/>
           </a:bodyPr>
@@ -5109,7 +5027,7 @@
           <a:p>
             <a:r>
               <a:rPr kumimoji="1" lang="en-US" altLang="ja-JP" b="1"/>
-              <a:t>A :</a:t>
+              <a:t>A</a:t>
             </a:r>
             <a:endParaRPr kumimoji="1" lang="ja-JP" altLang="en-US" b="1"/>
           </a:p>
@@ -5129,121 +5047,7 @@
         </p:nvSpPr>
         <p:spPr>
           <a:xfrm>
-            <a:off x="7505482" y="3851206"/>
-            <a:ext cx="484428" cy="369332"/>
-          </a:xfrm>
-          <a:prstGeom prst="rect">
-            <a:avLst/>
-          </a:prstGeom>
-          <a:noFill/>
-        </p:spPr>
-        <p:txBody>
-          <a:bodyPr wrap="none" rtlCol="0">
-            <a:spAutoFit/>
-          </a:bodyPr>
-          <a:lstStyle/>
-          <a:p>
-            <a:r>
-              <a:rPr kumimoji="1" lang="en-US" altLang="ja-JP" b="1"/>
-              <a:t>B :</a:t>
-            </a:r>
-            <a:endParaRPr kumimoji="1" lang="ja-JP" altLang="en-US" b="1"/>
-          </a:p>
-        </p:txBody>
-      </p:sp>
-      <p:cxnSp>
-        <p:nvCxnSpPr>
-          <p:cNvPr id="81" name="直線矢印コネクタ 80">
-            <a:extLst>
-              <a:ext uri="{FF2B5EF4-FFF2-40B4-BE49-F238E27FC236}">
-                <a16:creationId xmlns:a16="http://schemas.microsoft.com/office/drawing/2014/main" id="{28FACA71-6E81-AE67-2C75-612A22FD4E2C}"/>
-              </a:ext>
-            </a:extLst>
-          </p:cNvPr>
-          <p:cNvCxnSpPr/>
-          <p:nvPr/>
-        </p:nvCxnSpPr>
-        <p:spPr>
-          <a:xfrm flipH="1">
-            <a:off x="4798142" y="3038896"/>
-            <a:ext cx="247311" cy="264743"/>
-          </a:xfrm>
-          <a:prstGeom prst="straightConnector1">
-            <a:avLst/>
-          </a:prstGeom>
-          <a:ln w="25400">
-            <a:tailEnd type="triangle"/>
-          </a:ln>
-        </p:spPr>
-        <p:style>
-          <a:lnRef idx="2">
-            <a:schemeClr val="accent1"/>
-          </a:lnRef>
-          <a:fillRef idx="0">
-            <a:schemeClr val="accent1"/>
-          </a:fillRef>
-          <a:effectRef idx="1">
-            <a:schemeClr val="accent1"/>
-          </a:effectRef>
-          <a:fontRef idx="minor">
-            <a:schemeClr val="tx1"/>
-          </a:fontRef>
-        </p:style>
-      </p:cxnSp>
-      <p:cxnSp>
-        <p:nvCxnSpPr>
-          <p:cNvPr id="82" name="直線矢印コネクタ 81">
-            <a:extLst>
-              <a:ext uri="{FF2B5EF4-FFF2-40B4-BE49-F238E27FC236}">
-                <a16:creationId xmlns:a16="http://schemas.microsoft.com/office/drawing/2014/main" id="{E0CD59C6-539D-7097-5ED2-815968F18149}"/>
-              </a:ext>
-            </a:extLst>
-          </p:cNvPr>
-          <p:cNvCxnSpPr/>
-          <p:nvPr/>
-        </p:nvCxnSpPr>
-        <p:spPr>
-          <a:xfrm flipH="1">
-            <a:off x="7348808" y="4104767"/>
-            <a:ext cx="247311" cy="264743"/>
-          </a:xfrm>
-          <a:prstGeom prst="straightConnector1">
-            <a:avLst/>
-          </a:prstGeom>
-          <a:ln w="25400">
-            <a:tailEnd type="triangle"/>
-          </a:ln>
-        </p:spPr>
-        <p:style>
-          <a:lnRef idx="2">
-            <a:schemeClr val="accent1"/>
-          </a:lnRef>
-          <a:fillRef idx="0">
-            <a:schemeClr val="accent1"/>
-          </a:fillRef>
-          <a:effectRef idx="1">
-            <a:schemeClr val="accent1"/>
-          </a:effectRef>
-          <a:fontRef idx="minor">
-            <a:schemeClr val="tx1"/>
-          </a:fontRef>
-        </p:style>
-      </p:cxnSp>
-      <p:sp>
-        <p:nvSpPr>
-          <p:cNvPr id="83" name="テキスト ボックス 82">
-            <a:extLst>
-              <a:ext uri="{FF2B5EF4-FFF2-40B4-BE49-F238E27FC236}">
-                <a16:creationId xmlns:a16="http://schemas.microsoft.com/office/drawing/2014/main" id="{FF689B22-E4AA-A780-0699-069197380CF8}"/>
-              </a:ext>
-            </a:extLst>
-          </p:cNvPr>
-          <p:cNvSpPr txBox="1"/>
-          <p:nvPr/>
-        </p:nvSpPr>
-        <p:spPr>
-          <a:xfrm>
-            <a:off x="8091953" y="1376517"/>
+            <a:off x="7250798" y="5265783"/>
             <a:ext cx="348172" cy="369332"/>
           </a:xfrm>
           <a:prstGeom prst="rect">
@@ -5258,6 +5062,42 @@
           <a:lstStyle/>
           <a:p>
             <a:r>
+              <a:rPr kumimoji="1" lang="en-US" altLang="ja-JP" b="1"/>
+              <a:t>B</a:t>
+            </a:r>
+            <a:endParaRPr kumimoji="1" lang="ja-JP" altLang="en-US" b="1"/>
+          </a:p>
+        </p:txBody>
+      </p:sp>
+      <p:sp>
+        <p:nvSpPr>
+          <p:cNvPr id="83" name="テキスト ボックス 82">
+            <a:extLst>
+              <a:ext uri="{FF2B5EF4-FFF2-40B4-BE49-F238E27FC236}">
+                <a16:creationId xmlns:a16="http://schemas.microsoft.com/office/drawing/2014/main" id="{FF689B22-E4AA-A780-0699-069197380CF8}"/>
+              </a:ext>
+            </a:extLst>
+          </p:cNvPr>
+          <p:cNvSpPr txBox="1"/>
+          <p:nvPr/>
+        </p:nvSpPr>
+        <p:spPr>
+          <a:xfrm>
+            <a:off x="6050885" y="2484161"/>
+            <a:ext cx="348172" cy="369332"/>
+          </a:xfrm>
+          <a:prstGeom prst="rect">
+            <a:avLst/>
+          </a:prstGeom>
+          <a:noFill/>
+        </p:spPr>
+        <p:txBody>
+          <a:bodyPr wrap="none" rtlCol="0">
+            <a:spAutoFit/>
+          </a:bodyPr>
+          <a:lstStyle/>
+          <a:p>
+            <a:r>
               <a:rPr lang="en-US" altLang="ja-JP" b="1"/>
               <a:t>B</a:t>
             </a:r>
@@ -5279,7 +5119,7 @@
         </p:nvSpPr>
         <p:spPr>
           <a:xfrm>
-            <a:off x="7931556" y="1793321"/>
+            <a:off x="5890488" y="2900965"/>
             <a:ext cx="678391" cy="369332"/>
           </a:xfrm>
           <a:prstGeom prst="rect">
@@ -5315,8 +5155,8 @@
         </p:nvSpPr>
         <p:spPr>
           <a:xfrm>
-            <a:off x="8651362" y="1572625"/>
-            <a:ext cx="861133" cy="369332"/>
+            <a:off x="6534326" y="2680269"/>
+            <a:ext cx="925253" cy="369332"/>
           </a:xfrm>
           <a:prstGeom prst="rect">
             <a:avLst/>
@@ -5330,8 +5170,12 @@
           <a:lstStyle/>
           <a:p>
             <a:r>
+              <a:rPr lang="ja-JP" altLang="en-US"/>
+              <a:t>≦</a:t>
+            </a:r>
+            <a:r>
               <a:rPr lang="en-US" altLang="ja-JP"/>
-              <a:t>&lt; </a:t>
+              <a:t> </a:t>
             </a:r>
             <a:r>
               <a:rPr kumimoji="1" lang="en-US" altLang="ja-JP"/>
@@ -5343,10 +5187,10 @@
       </p:sp>
       <p:sp>
         <p:nvSpPr>
-          <p:cNvPr id="87" name="テキスト ボックス 86">
-            <a:extLst>
-              <a:ext uri="{FF2B5EF4-FFF2-40B4-BE49-F238E27FC236}">
-                <a16:creationId xmlns:a16="http://schemas.microsoft.com/office/drawing/2014/main" id="{0B1761DA-DAC4-B456-1118-BE60DCA1850E}"/>
+          <p:cNvPr id="88" name="テキスト ボックス 87">
+            <a:extLst>
+              <a:ext uri="{FF2B5EF4-FFF2-40B4-BE49-F238E27FC236}">
+                <a16:creationId xmlns:a16="http://schemas.microsoft.com/office/drawing/2014/main" id="{E4A29BBC-0E30-02DC-B012-A3940C776CA2}"/>
               </a:ext>
             </a:extLst>
           </p:cNvPr>
@@ -5355,47 +5199,7 @@
         </p:nvSpPr>
         <p:spPr>
           <a:xfrm>
-            <a:off x="6355775" y="1564713"/>
-            <a:ext cx="479619" cy="369332"/>
-          </a:xfrm>
-          <a:prstGeom prst="rect">
-            <a:avLst/>
-          </a:prstGeom>
-          <a:noFill/>
-        </p:spPr>
-        <p:txBody>
-          <a:bodyPr wrap="square" rtlCol="0">
-            <a:spAutoFit/>
-          </a:bodyPr>
-          <a:lstStyle/>
-          <a:p>
-            <a:r>
-              <a:rPr kumimoji="1" lang="en-US" altLang="ja-JP"/>
-              <a:t>X</a:t>
-            </a:r>
-            <a:r>
-              <a:rPr kumimoji="1" lang="en-US" altLang="ja-JP" baseline="-25000"/>
-              <a:t>d</a:t>
-            </a:r>
-            <a:endParaRPr kumimoji="1" lang="en-US" altLang="ja-JP"/>
-          </a:p>
-        </p:txBody>
-      </p:sp>
-      <p:sp>
-        <p:nvSpPr>
-          <p:cNvPr id="88" name="テキスト ボックス 87">
-            <a:extLst>
-              <a:ext uri="{FF2B5EF4-FFF2-40B4-BE49-F238E27FC236}">
-                <a16:creationId xmlns:a16="http://schemas.microsoft.com/office/drawing/2014/main" id="{E4A29BBC-0E30-02DC-B012-A3940C776CA2}"/>
-              </a:ext>
-            </a:extLst>
-          </p:cNvPr>
-          <p:cNvSpPr txBox="1"/>
-          <p:nvPr/>
-        </p:nvSpPr>
-        <p:spPr>
-          <a:xfrm>
-            <a:off x="6751614" y="1588147"/>
+            <a:off x="4750130" y="2695791"/>
             <a:ext cx="250390" cy="369332"/>
           </a:xfrm>
           <a:prstGeom prst="rect">
@@ -5417,42 +5221,6 @@
           </a:p>
         </p:txBody>
       </p:sp>
-      <p:sp>
-        <p:nvSpPr>
-          <p:cNvPr id="89" name="テキスト ボックス 88">
-            <a:extLst>
-              <a:ext uri="{FF2B5EF4-FFF2-40B4-BE49-F238E27FC236}">
-                <a16:creationId xmlns:a16="http://schemas.microsoft.com/office/drawing/2014/main" id="{BBAF8845-920E-E65C-FFA9-54004FF9364C}"/>
-              </a:ext>
-            </a:extLst>
-          </p:cNvPr>
-          <p:cNvSpPr txBox="1"/>
-          <p:nvPr/>
-        </p:nvSpPr>
-        <p:spPr>
-          <a:xfrm>
-            <a:off x="6953331" y="1582957"/>
-            <a:ext cx="907621" cy="369332"/>
-          </a:xfrm>
-          <a:prstGeom prst="rect">
-            <a:avLst/>
-          </a:prstGeom>
-          <a:noFill/>
-        </p:spPr>
-        <p:txBody>
-          <a:bodyPr wrap="none" rtlCol="0">
-            <a:spAutoFit/>
-          </a:bodyPr>
-          <a:lstStyle/>
-          <a:p>
-            <a:r>
-              <a:rPr kumimoji="1" lang="en-US" altLang="ja-JP"/>
-              <a:t>min(X)</a:t>
-            </a:r>
-            <a:endParaRPr kumimoji="1" lang="ja-JP" altLang="en-US"/>
-          </a:p>
-        </p:txBody>
-      </p:sp>
       <p:cxnSp>
         <p:nvCxnSpPr>
           <p:cNvPr id="92" name="直線コネクタ 91">
@@ -5469,8 +5237,8 @@
         </p:nvCxnSpPr>
         <p:spPr>
           <a:xfrm>
-            <a:off x="7807190" y="1356853"/>
-            <a:ext cx="0" cy="790829"/>
+            <a:off x="5808270" y="2618723"/>
+            <a:ext cx="0" cy="523869"/>
           </a:xfrm>
           <a:prstGeom prst="line">
             <a:avLst/>
@@ -5491,6 +5259,1900 @@
           </a:fontRef>
         </p:style>
       </p:cxnSp>
+      <mc:AlternateContent xmlns:mc="http://schemas.openxmlformats.org/markup-compatibility/2006">
+        <mc:Choice xmlns:a14="http://schemas.microsoft.com/office/drawing/2010/main" Requires="a14">
+          <p:sp>
+            <p:nvSpPr>
+              <p:cNvPr id="2" name="テキスト ボックス 1">
+                <a:extLst>
+                  <a:ext uri="{FF2B5EF4-FFF2-40B4-BE49-F238E27FC236}">
+                    <a16:creationId xmlns:a16="http://schemas.microsoft.com/office/drawing/2014/main" id="{AC948190-A38B-5775-40F8-06CD44AB4217}"/>
+                  </a:ext>
+                </a:extLst>
+              </p:cNvPr>
+              <p:cNvSpPr txBox="1"/>
+              <p:nvPr/>
+            </p:nvSpPr>
+            <p:spPr>
+              <a:xfrm>
+                <a:off x="3353296" y="5643312"/>
+                <a:ext cx="304314" cy="298415"/>
+              </a:xfrm>
+              <a:prstGeom prst="rect">
+                <a:avLst/>
+              </a:prstGeom>
+              <a:noFill/>
+            </p:spPr>
+            <p:txBody>
+              <a:bodyPr wrap="none" lIns="0" tIns="0" rIns="0" bIns="0" rtlCol="0">
+                <a:spAutoFit/>
+              </a:bodyPr>
+              <a:lstStyle/>
+              <a:p>
+                <a:pPr/>
+                <a14:m>
+                  <m:oMathPara xmlns:m="http://schemas.openxmlformats.org/officeDocument/2006/math">
+                    <m:oMathParaPr>
+                      <m:jc m:val="centerGroup"/>
+                    </m:oMathParaPr>
+                    <m:oMath xmlns:m="http://schemas.openxmlformats.org/officeDocument/2006/math">
+                      <m:sSub>
+                        <m:sSubPr>
+                          <m:ctrlPr>
+                            <a:rPr kumimoji="1" lang="en-US" altLang="ja-JP" b="0" i="1">
+                              <a:latin typeface="Cambria Math" panose="02040503050406030204" pitchFamily="18" charset="0"/>
+                            </a:rPr>
+                          </m:ctrlPr>
+                        </m:sSubPr>
+                        <m:e>
+                          <m:r>
+                            <a:rPr kumimoji="1" lang="en-US" altLang="ja-JP" b="0" i="1">
+                              <a:latin typeface="Cambria Math" panose="02040503050406030204" pitchFamily="18" charset="0"/>
+                            </a:rPr>
+                            <m:t>𝑥</m:t>
+                          </m:r>
+                        </m:e>
+                        <m:sub>
+                          <m:r>
+                            <a:rPr kumimoji="1" lang="en-US" altLang="ja-JP" b="0" i="1">
+                              <a:latin typeface="Cambria Math" panose="02040503050406030204" pitchFamily="18" charset="0"/>
+                            </a:rPr>
+                            <m:t>𝑝</m:t>
+                          </m:r>
+                        </m:sub>
+                      </m:sSub>
+                    </m:oMath>
+                  </m:oMathPara>
+                </a14:m>
+                <a:endParaRPr kumimoji="1" lang="ja-JP" altLang="en-US"/>
+              </a:p>
+            </p:txBody>
+          </p:sp>
+        </mc:Choice>
+        <mc:Fallback>
+          <p:sp>
+            <p:nvSpPr>
+              <p:cNvPr id="2" name="テキスト ボックス 1">
+                <a:extLst>
+                  <a:ext uri="{FF2B5EF4-FFF2-40B4-BE49-F238E27FC236}">
+                    <a16:creationId xmlns:a16="http://schemas.microsoft.com/office/drawing/2014/main" id="{AC948190-A38B-5775-40F8-06CD44AB4217}"/>
+                  </a:ext>
+                </a:extLst>
+              </p:cNvPr>
+              <p:cNvSpPr txBox="1">
+                <a:spLocks noRot="1" noChangeAspect="1" noMove="1" noResize="1" noEditPoints="1" noAdjustHandles="1" noChangeArrowheads="1" noChangeShapeType="1" noTextEdit="1"/>
+              </p:cNvSpPr>
+              <p:nvPr/>
+            </p:nvSpPr>
+            <p:spPr>
+              <a:xfrm>
+                <a:off x="3353296" y="5643312"/>
+                <a:ext cx="304314" cy="298415"/>
+              </a:xfrm>
+              <a:prstGeom prst="rect">
+                <a:avLst/>
+              </a:prstGeom>
+              <a:blipFill>
+                <a:blip r:embed="rId4"/>
+                <a:stretch>
+                  <a:fillRect l="-8333" r="-4167" b="-16000"/>
+                </a:stretch>
+              </a:blipFill>
+            </p:spPr>
+            <p:txBody>
+              <a:bodyPr/>
+              <a:lstStyle/>
+              <a:p>
+                <a:r>
+                  <a:rPr lang="ja-JP" altLang="en-US">
+                    <a:noFill/>
+                  </a:rPr>
+                  <a:t> </a:t>
+                </a:r>
+              </a:p>
+            </p:txBody>
+          </p:sp>
+        </mc:Fallback>
+      </mc:AlternateContent>
+      <mc:AlternateContent xmlns:mc="http://schemas.openxmlformats.org/markup-compatibility/2006">
+        <mc:Choice xmlns:a14="http://schemas.microsoft.com/office/drawing/2010/main" Requires="a14">
+          <p:sp>
+            <p:nvSpPr>
+              <p:cNvPr id="3" name="テキスト ボックス 2">
+                <a:extLst>
+                  <a:ext uri="{FF2B5EF4-FFF2-40B4-BE49-F238E27FC236}">
+                    <a16:creationId xmlns:a16="http://schemas.microsoft.com/office/drawing/2014/main" id="{9B70DF99-5B86-4C73-00FA-9A17ABDFD6D8}"/>
+                  </a:ext>
+                </a:extLst>
+              </p:cNvPr>
+              <p:cNvSpPr txBox="1"/>
+              <p:nvPr/>
+            </p:nvSpPr>
+            <p:spPr>
+              <a:xfrm>
+                <a:off x="7502337" y="5622532"/>
+                <a:ext cx="309187" cy="276999"/>
+              </a:xfrm>
+              <a:prstGeom prst="rect">
+                <a:avLst/>
+              </a:prstGeom>
+              <a:noFill/>
+            </p:spPr>
+            <p:txBody>
+              <a:bodyPr wrap="none" lIns="0" tIns="0" rIns="0" bIns="0" rtlCol="0">
+                <a:spAutoFit/>
+              </a:bodyPr>
+              <a:lstStyle/>
+              <a:p>
+                <a:pPr/>
+                <a14:m>
+                  <m:oMathPara xmlns:m="http://schemas.openxmlformats.org/officeDocument/2006/math">
+                    <m:oMathParaPr>
+                      <m:jc m:val="centerGroup"/>
+                    </m:oMathParaPr>
+                    <m:oMath xmlns:m="http://schemas.openxmlformats.org/officeDocument/2006/math">
+                      <m:sSub>
+                        <m:sSubPr>
+                          <m:ctrlPr>
+                            <a:rPr kumimoji="1" lang="en-US" altLang="ja-JP" b="0" i="1">
+                              <a:latin typeface="Cambria Math" panose="02040503050406030204" pitchFamily="18" charset="0"/>
+                            </a:rPr>
+                          </m:ctrlPr>
+                        </m:sSubPr>
+                        <m:e>
+                          <m:r>
+                            <a:rPr kumimoji="1" lang="en-US" altLang="ja-JP" b="0" i="1">
+                              <a:latin typeface="Cambria Math" panose="02040503050406030204" pitchFamily="18" charset="0"/>
+                            </a:rPr>
+                            <m:t>𝑥</m:t>
+                          </m:r>
+                        </m:e>
+                        <m:sub>
+                          <m:r>
+                            <a:rPr kumimoji="1" lang="en-US" altLang="ja-JP" b="0" i="1">
+                              <a:latin typeface="Cambria Math" panose="02040503050406030204" pitchFamily="18" charset="0"/>
+                            </a:rPr>
+                            <m:t>𝑑</m:t>
+                          </m:r>
+                        </m:sub>
+                      </m:sSub>
+                    </m:oMath>
+                  </m:oMathPara>
+                </a14:m>
+                <a:endParaRPr kumimoji="1" lang="ja-JP" altLang="en-US"/>
+              </a:p>
+            </p:txBody>
+          </p:sp>
+        </mc:Choice>
+        <mc:Fallback>
+          <p:sp>
+            <p:nvSpPr>
+              <p:cNvPr id="3" name="テキスト ボックス 2">
+                <a:extLst>
+                  <a:ext uri="{FF2B5EF4-FFF2-40B4-BE49-F238E27FC236}">
+                    <a16:creationId xmlns:a16="http://schemas.microsoft.com/office/drawing/2014/main" id="{9B70DF99-5B86-4C73-00FA-9A17ABDFD6D8}"/>
+                  </a:ext>
+                </a:extLst>
+              </p:cNvPr>
+              <p:cNvSpPr txBox="1">
+                <a:spLocks noRot="1" noChangeAspect="1" noMove="1" noResize="1" noEditPoints="1" noAdjustHandles="1" noChangeArrowheads="1" noChangeShapeType="1" noTextEdit="1"/>
+              </p:cNvSpPr>
+              <p:nvPr/>
+            </p:nvSpPr>
+            <p:spPr>
+              <a:xfrm>
+                <a:off x="7502337" y="5622532"/>
+                <a:ext cx="309187" cy="276999"/>
+              </a:xfrm>
+              <a:prstGeom prst="rect">
+                <a:avLst/>
+              </a:prstGeom>
+              <a:blipFill>
+                <a:blip r:embed="rId5"/>
+                <a:stretch>
+                  <a:fillRect l="-8000" r="-4000" b="-13043"/>
+                </a:stretch>
+              </a:blipFill>
+            </p:spPr>
+            <p:txBody>
+              <a:bodyPr/>
+              <a:lstStyle/>
+              <a:p>
+                <a:r>
+                  <a:rPr lang="ja-JP" altLang="en-US">
+                    <a:noFill/>
+                  </a:rPr>
+                  <a:t> </a:t>
+                </a:r>
+              </a:p>
+            </p:txBody>
+          </p:sp>
+        </mc:Fallback>
+      </mc:AlternateContent>
+      <mc:AlternateContent xmlns:mc="http://schemas.openxmlformats.org/markup-compatibility/2006">
+        <mc:Choice xmlns:a14="http://schemas.microsoft.com/office/drawing/2010/main" Requires="a14">
+          <p:sp>
+            <p:nvSpPr>
+              <p:cNvPr id="4" name="テキスト ボックス 3">
+                <a:extLst>
+                  <a:ext uri="{FF2B5EF4-FFF2-40B4-BE49-F238E27FC236}">
+                    <a16:creationId xmlns:a16="http://schemas.microsoft.com/office/drawing/2014/main" id="{6491B313-A2D6-41ED-6618-E41A13D0C58E}"/>
+                  </a:ext>
+                </a:extLst>
+              </p:cNvPr>
+              <p:cNvSpPr txBox="1"/>
+              <p:nvPr/>
+            </p:nvSpPr>
+            <p:spPr>
+              <a:xfrm>
+                <a:off x="6921276" y="5627306"/>
+                <a:ext cx="528799" cy="276999"/>
+              </a:xfrm>
+              <a:prstGeom prst="rect">
+                <a:avLst/>
+              </a:prstGeom>
+              <a:noFill/>
+            </p:spPr>
+            <p:txBody>
+              <a:bodyPr wrap="none" lIns="0" tIns="0" rIns="0" bIns="0" rtlCol="0">
+                <a:spAutoFit/>
+              </a:bodyPr>
+              <a:lstStyle/>
+              <a:p>
+                <a:pPr/>
+                <a14:m>
+                  <m:oMathPara xmlns:m="http://schemas.openxmlformats.org/officeDocument/2006/math">
+                    <m:oMathParaPr>
+                      <m:jc m:val="centerGroup"/>
+                    </m:oMathParaPr>
+                    <m:oMath xmlns:m="http://schemas.openxmlformats.org/officeDocument/2006/math">
+                      <m:sSub>
+                        <m:sSubPr>
+                          <m:ctrlPr>
+                            <a:rPr kumimoji="1" lang="en-US" altLang="ja-JP" b="0" i="1">
+                              <a:latin typeface="Cambria Math" panose="02040503050406030204" pitchFamily="18" charset="0"/>
+                            </a:rPr>
+                          </m:ctrlPr>
+                        </m:sSubPr>
+                        <m:e>
+                          <m:r>
+                            <a:rPr kumimoji="1" lang="en-US" altLang="ja-JP" b="0" i="1">
+                              <a:latin typeface="Cambria Math" panose="02040503050406030204" pitchFamily="18" charset="0"/>
+                            </a:rPr>
+                            <m:t>𝑥</m:t>
+                          </m:r>
+                        </m:e>
+                        <m:sub>
+                          <m:r>
+                            <a:rPr kumimoji="1" lang="en-US" altLang="ja-JP" b="0" i="1">
+                              <a:latin typeface="Cambria Math" panose="02040503050406030204" pitchFamily="18" charset="0"/>
+                            </a:rPr>
+                            <m:t>𝑑</m:t>
+                          </m:r>
+                          <m:r>
+                            <a:rPr kumimoji="1" lang="en-US" altLang="ja-JP" b="0" i="1">
+                              <a:latin typeface="Cambria Math" panose="02040503050406030204" pitchFamily="18" charset="0"/>
+                            </a:rPr>
+                            <m:t>−1</m:t>
+                          </m:r>
+                        </m:sub>
+                      </m:sSub>
+                    </m:oMath>
+                  </m:oMathPara>
+                </a14:m>
+                <a:endParaRPr kumimoji="1" lang="ja-JP" altLang="en-US"/>
+              </a:p>
+            </p:txBody>
+          </p:sp>
+        </mc:Choice>
+        <mc:Fallback>
+          <p:sp>
+            <p:nvSpPr>
+              <p:cNvPr id="4" name="テキスト ボックス 3">
+                <a:extLst>
+                  <a:ext uri="{FF2B5EF4-FFF2-40B4-BE49-F238E27FC236}">
+                    <a16:creationId xmlns:a16="http://schemas.microsoft.com/office/drawing/2014/main" id="{6491B313-A2D6-41ED-6618-E41A13D0C58E}"/>
+                  </a:ext>
+                </a:extLst>
+              </p:cNvPr>
+              <p:cNvSpPr txBox="1">
+                <a:spLocks noRot="1" noChangeAspect="1" noMove="1" noResize="1" noEditPoints="1" noAdjustHandles="1" noChangeArrowheads="1" noChangeShapeType="1" noTextEdit="1"/>
+              </p:cNvSpPr>
+              <p:nvPr/>
+            </p:nvSpPr>
+            <p:spPr>
+              <a:xfrm>
+                <a:off x="6921276" y="5627306"/>
+                <a:ext cx="528799" cy="276999"/>
+              </a:xfrm>
+              <a:prstGeom prst="rect">
+                <a:avLst/>
+              </a:prstGeom>
+              <a:blipFill>
+                <a:blip r:embed="rId6"/>
+                <a:stretch>
+                  <a:fillRect l="-4651" r="-2326" b="-13043"/>
+                </a:stretch>
+              </a:blipFill>
+            </p:spPr>
+            <p:txBody>
+              <a:bodyPr/>
+              <a:lstStyle/>
+              <a:p>
+                <a:r>
+                  <a:rPr lang="ja-JP" altLang="en-US">
+                    <a:noFill/>
+                  </a:rPr>
+                  <a:t> </a:t>
+                </a:r>
+              </a:p>
+            </p:txBody>
+          </p:sp>
+        </mc:Fallback>
+      </mc:AlternateContent>
+      <mc:AlternateContent xmlns:mc="http://schemas.openxmlformats.org/markup-compatibility/2006">
+        <mc:Choice xmlns:a14="http://schemas.microsoft.com/office/drawing/2010/main" Requires="a14">
+          <p:sp>
+            <p:nvSpPr>
+              <p:cNvPr id="6" name="テキスト ボックス 5">
+                <a:extLst>
+                  <a:ext uri="{FF2B5EF4-FFF2-40B4-BE49-F238E27FC236}">
+                    <a16:creationId xmlns:a16="http://schemas.microsoft.com/office/drawing/2014/main" id="{F7FA4EB6-BF63-3C0F-A290-05E68E08E118}"/>
+                  </a:ext>
+                </a:extLst>
+              </p:cNvPr>
+              <p:cNvSpPr txBox="1"/>
+              <p:nvPr/>
+            </p:nvSpPr>
+            <p:spPr>
+              <a:xfrm>
+                <a:off x="4356650" y="2269055"/>
+                <a:ext cx="309187" cy="276999"/>
+              </a:xfrm>
+              <a:prstGeom prst="rect">
+                <a:avLst/>
+              </a:prstGeom>
+              <a:noFill/>
+            </p:spPr>
+            <p:txBody>
+              <a:bodyPr wrap="none" lIns="0" tIns="0" rIns="0" bIns="0" rtlCol="0">
+                <a:spAutoFit/>
+              </a:bodyPr>
+              <a:lstStyle/>
+              <a:p>
+                <a:pPr/>
+                <a14:m>
+                  <m:oMathPara xmlns:m="http://schemas.openxmlformats.org/officeDocument/2006/math">
+                    <m:oMathParaPr>
+                      <m:jc m:val="centerGroup"/>
+                    </m:oMathParaPr>
+                    <m:oMath xmlns:m="http://schemas.openxmlformats.org/officeDocument/2006/math">
+                      <m:sSub>
+                        <m:sSubPr>
+                          <m:ctrlPr>
+                            <a:rPr kumimoji="1" lang="en-US" altLang="ja-JP" b="0" i="1">
+                              <a:latin typeface="Cambria Math" panose="02040503050406030204" pitchFamily="18" charset="0"/>
+                            </a:rPr>
+                          </m:ctrlPr>
+                        </m:sSubPr>
+                        <m:e>
+                          <m:r>
+                            <a:rPr kumimoji="1" lang="en-US" altLang="ja-JP" b="0" i="1">
+                              <a:latin typeface="Cambria Math" panose="02040503050406030204" pitchFamily="18" charset="0"/>
+                            </a:rPr>
+                            <m:t>𝑥</m:t>
+                          </m:r>
+                        </m:e>
+                        <m:sub>
+                          <m:r>
+                            <a:rPr kumimoji="1" lang="en-US" altLang="ja-JP" b="0" i="1">
+                              <a:latin typeface="Cambria Math" panose="02040503050406030204" pitchFamily="18" charset="0"/>
+                            </a:rPr>
+                            <m:t>𝑑</m:t>
+                          </m:r>
+                        </m:sub>
+                      </m:sSub>
+                    </m:oMath>
+                  </m:oMathPara>
+                </a14:m>
+                <a:endParaRPr kumimoji="1" lang="ja-JP" altLang="en-US"/>
+              </a:p>
+            </p:txBody>
+          </p:sp>
+        </mc:Choice>
+        <mc:Fallback>
+          <p:sp>
+            <p:nvSpPr>
+              <p:cNvPr id="6" name="テキスト ボックス 5">
+                <a:extLst>
+                  <a:ext uri="{FF2B5EF4-FFF2-40B4-BE49-F238E27FC236}">
+                    <a16:creationId xmlns:a16="http://schemas.microsoft.com/office/drawing/2014/main" id="{F7FA4EB6-BF63-3C0F-A290-05E68E08E118}"/>
+                  </a:ext>
+                </a:extLst>
+              </p:cNvPr>
+              <p:cNvSpPr txBox="1">
+                <a:spLocks noRot="1" noChangeAspect="1" noMove="1" noResize="1" noEditPoints="1" noAdjustHandles="1" noChangeArrowheads="1" noChangeShapeType="1" noTextEdit="1"/>
+              </p:cNvSpPr>
+              <p:nvPr/>
+            </p:nvSpPr>
+            <p:spPr>
+              <a:xfrm>
+                <a:off x="4356650" y="2269055"/>
+                <a:ext cx="309187" cy="276999"/>
+              </a:xfrm>
+              <a:prstGeom prst="rect">
+                <a:avLst/>
+              </a:prstGeom>
+              <a:blipFill>
+                <a:blip r:embed="rId7"/>
+                <a:stretch>
+                  <a:fillRect l="-12000" b="-13043"/>
+                </a:stretch>
+              </a:blipFill>
+            </p:spPr>
+            <p:txBody>
+              <a:bodyPr/>
+              <a:lstStyle/>
+              <a:p>
+                <a:r>
+                  <a:rPr lang="ja-JP" altLang="en-US">
+                    <a:noFill/>
+                  </a:rPr>
+                  <a:t> </a:t>
+                </a:r>
+              </a:p>
+            </p:txBody>
+          </p:sp>
+        </mc:Fallback>
+      </mc:AlternateContent>
+      <mc:AlternateContent xmlns:mc="http://schemas.openxmlformats.org/markup-compatibility/2006">
+        <mc:Choice xmlns:a14="http://schemas.microsoft.com/office/drawing/2010/main" Requires="a14">
+          <p:sp>
+            <p:nvSpPr>
+              <p:cNvPr id="8" name="テキスト ボックス 7">
+                <a:extLst>
+                  <a:ext uri="{FF2B5EF4-FFF2-40B4-BE49-F238E27FC236}">
+                    <a16:creationId xmlns:a16="http://schemas.microsoft.com/office/drawing/2014/main" id="{AB90FEAB-227D-97C3-2F88-B3F70A087C6D}"/>
+                  </a:ext>
+                </a:extLst>
+              </p:cNvPr>
+              <p:cNvSpPr txBox="1"/>
+              <p:nvPr/>
+            </p:nvSpPr>
+            <p:spPr>
+              <a:xfrm>
+                <a:off x="10566487" y="5651536"/>
+                <a:ext cx="196144" cy="276999"/>
+              </a:xfrm>
+              <a:prstGeom prst="rect">
+                <a:avLst/>
+              </a:prstGeom>
+              <a:noFill/>
+            </p:spPr>
+            <p:txBody>
+              <a:bodyPr wrap="none" lIns="0" tIns="0" rIns="0" bIns="0" rtlCol="0">
+                <a:spAutoFit/>
+              </a:bodyPr>
+              <a:lstStyle/>
+              <a:p>
+                <a:pPr/>
+                <a14:m>
+                  <m:oMathPara xmlns:m="http://schemas.openxmlformats.org/officeDocument/2006/math">
+                    <m:oMathParaPr>
+                      <m:jc m:val="centerGroup"/>
+                    </m:oMathParaPr>
+                    <m:oMath xmlns:m="http://schemas.openxmlformats.org/officeDocument/2006/math">
+                      <m:r>
+                        <a:rPr kumimoji="1" lang="en-US" altLang="ja-JP" b="0" i="1">
+                          <a:latin typeface="Cambria Math" panose="02040503050406030204" pitchFamily="18" charset="0"/>
+                        </a:rPr>
+                        <m:t>𝑥</m:t>
+                      </m:r>
+                    </m:oMath>
+                  </m:oMathPara>
+                </a14:m>
+                <a:endParaRPr kumimoji="1" lang="ja-JP" altLang="en-US"/>
+              </a:p>
+            </p:txBody>
+          </p:sp>
+        </mc:Choice>
+        <mc:Fallback>
+          <p:sp>
+            <p:nvSpPr>
+              <p:cNvPr id="8" name="テキスト ボックス 7">
+                <a:extLst>
+                  <a:ext uri="{FF2B5EF4-FFF2-40B4-BE49-F238E27FC236}">
+                    <a16:creationId xmlns:a16="http://schemas.microsoft.com/office/drawing/2014/main" id="{AB90FEAB-227D-97C3-2F88-B3F70A087C6D}"/>
+                  </a:ext>
+                </a:extLst>
+              </p:cNvPr>
+              <p:cNvSpPr txBox="1">
+                <a:spLocks noRot="1" noChangeAspect="1" noMove="1" noResize="1" noEditPoints="1" noAdjustHandles="1" noChangeArrowheads="1" noChangeShapeType="1" noTextEdit="1"/>
+              </p:cNvSpPr>
+              <p:nvPr/>
+            </p:nvSpPr>
+            <p:spPr>
+              <a:xfrm>
+                <a:off x="10566487" y="5651536"/>
+                <a:ext cx="196144" cy="276999"/>
+              </a:xfrm>
+              <a:prstGeom prst="rect">
+                <a:avLst/>
+              </a:prstGeom>
+              <a:blipFill>
+                <a:blip r:embed="rId8"/>
+                <a:stretch>
+                  <a:fillRect l="-11765" r="-11765"/>
+                </a:stretch>
+              </a:blipFill>
+            </p:spPr>
+            <p:txBody>
+              <a:bodyPr/>
+              <a:lstStyle/>
+              <a:p>
+                <a:r>
+                  <a:rPr lang="ja-JP" altLang="en-US">
+                    <a:noFill/>
+                  </a:rPr>
+                  <a:t> </a:t>
+                </a:r>
+              </a:p>
+            </p:txBody>
+          </p:sp>
+        </mc:Fallback>
+      </mc:AlternateContent>
+      <mc:AlternateContent xmlns:mc="http://schemas.openxmlformats.org/markup-compatibility/2006">
+        <mc:Choice xmlns:a14="http://schemas.microsoft.com/office/drawing/2010/main" Requires="a14">
+          <p:sp>
+            <p:nvSpPr>
+              <p:cNvPr id="9" name="テキスト ボックス 8">
+                <a:extLst>
+                  <a:ext uri="{FF2B5EF4-FFF2-40B4-BE49-F238E27FC236}">
+                    <a16:creationId xmlns:a16="http://schemas.microsoft.com/office/drawing/2014/main" id="{92142AE7-89CE-5CB7-E520-FD422F089FAB}"/>
+                  </a:ext>
+                </a:extLst>
+              </p:cNvPr>
+              <p:cNvSpPr txBox="1"/>
+              <p:nvPr/>
+            </p:nvSpPr>
+            <p:spPr>
+              <a:xfrm>
+                <a:off x="5018000" y="2743189"/>
+                <a:ext cx="773225" cy="276999"/>
+              </a:xfrm>
+              <a:prstGeom prst="rect">
+                <a:avLst/>
+              </a:prstGeom>
+              <a:noFill/>
+            </p:spPr>
+            <p:txBody>
+              <a:bodyPr wrap="none" lIns="0" tIns="0" rIns="0" bIns="0" rtlCol="0">
+                <a:spAutoFit/>
+              </a:bodyPr>
+              <a:lstStyle/>
+              <a:p>
+                <a:pPr/>
+                <a14:m>
+                  <m:oMathPara xmlns:m="http://schemas.openxmlformats.org/officeDocument/2006/math">
+                    <m:oMathParaPr>
+                      <m:jc m:val="centerGroup"/>
+                    </m:oMathParaPr>
+                    <m:oMath xmlns:m="http://schemas.openxmlformats.org/officeDocument/2006/math">
+                      <m:r>
+                        <m:rPr>
+                          <m:sty m:val="p"/>
+                        </m:rPr>
+                        <a:rPr kumimoji="1" lang="en-US" altLang="ja-JP" b="0" i="0">
+                          <a:latin typeface="Cambria Math" panose="02040503050406030204" pitchFamily="18" charset="0"/>
+                        </a:rPr>
+                        <m:t>min</m:t>
+                      </m:r>
+                      <m:r>
+                        <a:rPr kumimoji="1" lang="en-US" altLang="ja-JP" b="0" i="1">
+                          <a:latin typeface="Cambria Math" panose="02040503050406030204" pitchFamily="18" charset="0"/>
+                        </a:rPr>
+                        <m:t>⁡(</m:t>
+                      </m:r>
+                      <m:r>
+                        <a:rPr kumimoji="1" lang="en-US" altLang="ja-JP" b="0" i="1">
+                          <a:latin typeface="Cambria Math" panose="02040503050406030204" pitchFamily="18" charset="0"/>
+                        </a:rPr>
+                        <m:t>𝑥</m:t>
+                      </m:r>
+                      <m:r>
+                        <a:rPr kumimoji="1" lang="en-US" altLang="ja-JP" b="0" i="1">
+                          <a:latin typeface="Cambria Math" panose="02040503050406030204" pitchFamily="18" charset="0"/>
+                        </a:rPr>
+                        <m:t>)</m:t>
+                      </m:r>
+                    </m:oMath>
+                  </m:oMathPara>
+                </a14:m>
+                <a:endParaRPr kumimoji="1" lang="ja-JP" altLang="en-US"/>
+              </a:p>
+            </p:txBody>
+          </p:sp>
+        </mc:Choice>
+        <mc:Fallback>
+          <p:sp>
+            <p:nvSpPr>
+              <p:cNvPr id="9" name="テキスト ボックス 8">
+                <a:extLst>
+                  <a:ext uri="{FF2B5EF4-FFF2-40B4-BE49-F238E27FC236}">
+                    <a16:creationId xmlns:a16="http://schemas.microsoft.com/office/drawing/2014/main" id="{92142AE7-89CE-5CB7-E520-FD422F089FAB}"/>
+                  </a:ext>
+                </a:extLst>
+              </p:cNvPr>
+              <p:cNvSpPr txBox="1">
+                <a:spLocks noRot="1" noChangeAspect="1" noMove="1" noResize="1" noEditPoints="1" noAdjustHandles="1" noChangeArrowheads="1" noChangeShapeType="1" noTextEdit="1"/>
+              </p:cNvSpPr>
+              <p:nvPr/>
+            </p:nvSpPr>
+            <p:spPr>
+              <a:xfrm>
+                <a:off x="5018000" y="2743189"/>
+                <a:ext cx="773225" cy="276999"/>
+              </a:xfrm>
+              <a:prstGeom prst="rect">
+                <a:avLst/>
+              </a:prstGeom>
+              <a:blipFill>
+                <a:blip r:embed="rId9"/>
+                <a:stretch>
+                  <a:fillRect l="-6452" t="-9091" r="-8065" b="-40909"/>
+                </a:stretch>
+              </a:blipFill>
+            </p:spPr>
+            <p:txBody>
+              <a:bodyPr/>
+              <a:lstStyle/>
+              <a:p>
+                <a:r>
+                  <a:rPr lang="ja-JP" altLang="en-US">
+                    <a:noFill/>
+                  </a:rPr>
+                  <a:t> </a:t>
+                </a:r>
+              </a:p>
+            </p:txBody>
+          </p:sp>
+        </mc:Fallback>
+      </mc:AlternateContent>
+      <p:sp>
+        <p:nvSpPr>
+          <p:cNvPr id="12" name="テキスト ボックス 11">
+            <a:extLst>
+              <a:ext uri="{FF2B5EF4-FFF2-40B4-BE49-F238E27FC236}">
+                <a16:creationId xmlns:a16="http://schemas.microsoft.com/office/drawing/2014/main" id="{3347CC35-9221-609A-81BF-7F7DC9E85142}"/>
+              </a:ext>
+            </a:extLst>
+          </p:cNvPr>
+          <p:cNvSpPr txBox="1"/>
+          <p:nvPr/>
+        </p:nvSpPr>
+        <p:spPr>
+          <a:xfrm>
+            <a:off x="4302356" y="1061615"/>
+            <a:ext cx="482604" cy="369332"/>
+          </a:xfrm>
+          <a:prstGeom prst="rect">
+            <a:avLst/>
+          </a:prstGeom>
+          <a:noFill/>
+        </p:spPr>
+        <p:txBody>
+          <a:bodyPr wrap="square" rtlCol="0">
+            <a:spAutoFit/>
+          </a:bodyPr>
+          <a:lstStyle/>
+          <a:p>
+            <a:r>
+              <a:rPr kumimoji="1" lang="en-US" altLang="ja-JP" b="1"/>
+              <a:t>A </a:t>
+            </a:r>
+            <a:r>
+              <a:rPr kumimoji="1" lang="en-US" altLang="ja-JP"/>
+              <a:t>:</a:t>
+            </a:r>
+            <a:endParaRPr kumimoji="1" lang="ja-JP" altLang="en-US"/>
+          </a:p>
+        </p:txBody>
+      </p:sp>
+      <p:sp>
+        <p:nvSpPr>
+          <p:cNvPr id="13" name="テキスト ボックス 12">
+            <a:extLst>
+              <a:ext uri="{FF2B5EF4-FFF2-40B4-BE49-F238E27FC236}">
+                <a16:creationId xmlns:a16="http://schemas.microsoft.com/office/drawing/2014/main" id="{21E5C262-DC05-C0A3-1588-A3D3DAF12BAE}"/>
+              </a:ext>
+            </a:extLst>
+          </p:cNvPr>
+          <p:cNvSpPr txBox="1"/>
+          <p:nvPr/>
+        </p:nvSpPr>
+        <p:spPr>
+          <a:xfrm>
+            <a:off x="4302356" y="1700239"/>
+            <a:ext cx="482604" cy="369332"/>
+          </a:xfrm>
+          <a:prstGeom prst="rect">
+            <a:avLst/>
+          </a:prstGeom>
+          <a:noFill/>
+        </p:spPr>
+        <p:txBody>
+          <a:bodyPr wrap="square" rtlCol="0">
+            <a:spAutoFit/>
+          </a:bodyPr>
+          <a:lstStyle/>
+          <a:p>
+            <a:r>
+              <a:rPr lang="en-US" altLang="ja-JP" b="1"/>
+              <a:t>B</a:t>
+            </a:r>
+            <a:r>
+              <a:rPr kumimoji="1" lang="en-US" altLang="ja-JP" b="1"/>
+              <a:t> </a:t>
+            </a:r>
+            <a:r>
+              <a:rPr kumimoji="1" lang="en-US" altLang="ja-JP"/>
+              <a:t>:</a:t>
+            </a:r>
+            <a:endParaRPr kumimoji="1" lang="ja-JP" altLang="en-US"/>
+          </a:p>
+        </p:txBody>
+      </p:sp>
+      <p:sp>
+        <p:nvSpPr>
+          <p:cNvPr id="14" name="テキスト ボックス 13">
+            <a:extLst>
+              <a:ext uri="{FF2B5EF4-FFF2-40B4-BE49-F238E27FC236}">
+                <a16:creationId xmlns:a16="http://schemas.microsoft.com/office/drawing/2014/main" id="{FD486C18-227F-FD11-535D-C4987B1E838B}"/>
+              </a:ext>
+            </a:extLst>
+          </p:cNvPr>
+          <p:cNvSpPr txBox="1"/>
+          <p:nvPr/>
+        </p:nvSpPr>
+        <p:spPr>
+          <a:xfrm>
+            <a:off x="8120722" y="5266725"/>
+            <a:ext cx="349776" cy="369332"/>
+          </a:xfrm>
+          <a:prstGeom prst="rect">
+            <a:avLst/>
+          </a:prstGeom>
+          <a:noFill/>
+        </p:spPr>
+        <p:txBody>
+          <a:bodyPr wrap="none" rtlCol="0">
+            <a:spAutoFit/>
+          </a:bodyPr>
+          <a:lstStyle/>
+          <a:p>
+            <a:r>
+              <a:rPr kumimoji="1" lang="en-US" altLang="ja-JP" b="1"/>
+              <a:t>C</a:t>
+            </a:r>
+            <a:endParaRPr kumimoji="1" lang="ja-JP" altLang="en-US" b="1"/>
+          </a:p>
+        </p:txBody>
+      </p:sp>
+      <mc:AlternateContent xmlns:mc="http://schemas.openxmlformats.org/markup-compatibility/2006">
+        <mc:Choice xmlns:a14="http://schemas.microsoft.com/office/drawing/2010/main" Requires="a14">
+          <p:sp>
+            <p:nvSpPr>
+              <p:cNvPr id="21" name="テキスト ボックス 20">
+                <a:extLst>
+                  <a:ext uri="{FF2B5EF4-FFF2-40B4-BE49-F238E27FC236}">
+                    <a16:creationId xmlns:a16="http://schemas.microsoft.com/office/drawing/2014/main" id="{8DF3AFA7-B4EA-1743-05EA-897FCAB1A513}"/>
+                  </a:ext>
+                </a:extLst>
+              </p:cNvPr>
+              <p:cNvSpPr txBox="1"/>
+              <p:nvPr/>
+            </p:nvSpPr>
+            <p:spPr>
+              <a:xfrm>
+                <a:off x="1589218" y="5632874"/>
+                <a:ext cx="286745" cy="276999"/>
+              </a:xfrm>
+              <a:prstGeom prst="rect">
+                <a:avLst/>
+              </a:prstGeom>
+              <a:noFill/>
+            </p:spPr>
+            <p:txBody>
+              <a:bodyPr wrap="none" lIns="0" tIns="0" rIns="0" bIns="0" rtlCol="0">
+                <a:spAutoFit/>
+              </a:bodyPr>
+              <a:lstStyle/>
+              <a:p>
+                <a:pPr/>
+                <a14:m>
+                  <m:oMathPara xmlns:m="http://schemas.openxmlformats.org/officeDocument/2006/math">
+                    <m:oMathParaPr>
+                      <m:jc m:val="centerGroup"/>
+                    </m:oMathParaPr>
+                    <m:oMath xmlns:m="http://schemas.openxmlformats.org/officeDocument/2006/math">
+                      <m:sSub>
+                        <m:sSubPr>
+                          <m:ctrlPr>
+                            <a:rPr kumimoji="1" lang="en-US" altLang="ja-JP" b="0" i="1">
+                              <a:latin typeface="Cambria Math" panose="02040503050406030204" pitchFamily="18" charset="0"/>
+                            </a:rPr>
+                          </m:ctrlPr>
+                        </m:sSubPr>
+                        <m:e>
+                          <m:r>
+                            <a:rPr kumimoji="1" lang="en-US" altLang="ja-JP" b="0" i="1">
+                              <a:latin typeface="Cambria Math" panose="02040503050406030204" pitchFamily="18" charset="0"/>
+                            </a:rPr>
+                            <m:t>𝑥</m:t>
+                          </m:r>
+                        </m:e>
+                        <m:sub>
+                          <m:r>
+                            <a:rPr kumimoji="1" lang="en-US" altLang="ja-JP" b="0" i="1">
+                              <a:latin typeface="Cambria Math" panose="02040503050406030204" pitchFamily="18" charset="0"/>
+                            </a:rPr>
+                            <m:t>𝑐</m:t>
+                          </m:r>
+                        </m:sub>
+                      </m:sSub>
+                    </m:oMath>
+                  </m:oMathPara>
+                </a14:m>
+                <a:endParaRPr kumimoji="1" lang="ja-JP" altLang="en-US"/>
+              </a:p>
+            </p:txBody>
+          </p:sp>
+        </mc:Choice>
+        <mc:Fallback>
+          <p:sp>
+            <p:nvSpPr>
+              <p:cNvPr id="21" name="テキスト ボックス 20">
+                <a:extLst>
+                  <a:ext uri="{FF2B5EF4-FFF2-40B4-BE49-F238E27FC236}">
+                    <a16:creationId xmlns:a16="http://schemas.microsoft.com/office/drawing/2014/main" id="{8DF3AFA7-B4EA-1743-05EA-897FCAB1A513}"/>
+                  </a:ext>
+                </a:extLst>
+              </p:cNvPr>
+              <p:cNvSpPr txBox="1">
+                <a:spLocks noRot="1" noChangeAspect="1" noMove="1" noResize="1" noEditPoints="1" noAdjustHandles="1" noChangeArrowheads="1" noChangeShapeType="1" noTextEdit="1"/>
+              </p:cNvSpPr>
+              <p:nvPr/>
+            </p:nvSpPr>
+            <p:spPr>
+              <a:xfrm>
+                <a:off x="1589218" y="5632874"/>
+                <a:ext cx="286745" cy="276999"/>
+              </a:xfrm>
+              <a:prstGeom prst="rect">
+                <a:avLst/>
+              </a:prstGeom>
+              <a:blipFill>
+                <a:blip r:embed="rId10"/>
+                <a:stretch>
+                  <a:fillRect l="-13043" b="-8696"/>
+                </a:stretch>
+              </a:blipFill>
+            </p:spPr>
+            <p:txBody>
+              <a:bodyPr/>
+              <a:lstStyle/>
+              <a:p>
+                <a:r>
+                  <a:rPr lang="ja-JP" altLang="en-US">
+                    <a:noFill/>
+                  </a:rPr>
+                  <a:t> </a:t>
+                </a:r>
+              </a:p>
+            </p:txBody>
+          </p:sp>
+        </mc:Fallback>
+      </mc:AlternateContent>
+      <p:sp>
+        <p:nvSpPr>
+          <p:cNvPr id="22" name="テキスト ボックス 21">
+            <a:extLst>
+              <a:ext uri="{FF2B5EF4-FFF2-40B4-BE49-F238E27FC236}">
+                <a16:creationId xmlns:a16="http://schemas.microsoft.com/office/drawing/2014/main" id="{5373765B-0ABE-3BF7-98FA-B9803E2BC23B}"/>
+              </a:ext>
+            </a:extLst>
+          </p:cNvPr>
+          <p:cNvSpPr txBox="1"/>
+          <p:nvPr/>
+        </p:nvSpPr>
+        <p:spPr>
+          <a:xfrm>
+            <a:off x="1587954" y="5905017"/>
+            <a:ext cx="1862887" cy="338554"/>
+          </a:xfrm>
+          <a:prstGeom prst="rect">
+            <a:avLst/>
+          </a:prstGeom>
+          <a:noFill/>
+        </p:spPr>
+        <p:txBody>
+          <a:bodyPr wrap="square" rtlCol="0">
+            <a:spAutoFit/>
+          </a:bodyPr>
+          <a:lstStyle/>
+          <a:p>
+            <a:r>
+              <a:rPr lang="en-US" altLang="ja-JP" sz="1600"/>
+              <a:t>First cited year</a:t>
+            </a:r>
+            <a:endParaRPr kumimoji="1" lang="en-US" altLang="ja-JP" sz="1600"/>
+          </a:p>
+        </p:txBody>
+      </p:sp>
+      <p:sp>
+        <p:nvSpPr>
+          <p:cNvPr id="25" name="テキスト ボックス 24">
+            <a:extLst>
+              <a:ext uri="{FF2B5EF4-FFF2-40B4-BE49-F238E27FC236}">
+                <a16:creationId xmlns:a16="http://schemas.microsoft.com/office/drawing/2014/main" id="{776E7BFD-D082-23D0-20A3-9CBBCBCD0D1E}"/>
+              </a:ext>
+            </a:extLst>
+          </p:cNvPr>
+          <p:cNvSpPr txBox="1"/>
+          <p:nvPr/>
+        </p:nvSpPr>
+        <p:spPr>
+          <a:xfrm>
+            <a:off x="67641" y="5909873"/>
+            <a:ext cx="1552417" cy="338554"/>
+          </a:xfrm>
+          <a:prstGeom prst="rect">
+            <a:avLst/>
+          </a:prstGeom>
+          <a:noFill/>
+        </p:spPr>
+        <p:txBody>
+          <a:bodyPr wrap="square" rtlCol="0">
+            <a:spAutoFit/>
+          </a:bodyPr>
+          <a:lstStyle/>
+          <a:p>
+            <a:r>
+              <a:rPr lang="en-US" altLang="ja-JP" sz="1600"/>
+              <a:t>Publish year</a:t>
+            </a:r>
+            <a:endParaRPr kumimoji="1" lang="en-US" altLang="ja-JP" sz="1600"/>
+          </a:p>
+        </p:txBody>
+      </p:sp>
+      <p:cxnSp>
+        <p:nvCxnSpPr>
+          <p:cNvPr id="32" name="直線コネクタ 31">
+            <a:extLst>
+              <a:ext uri="{FF2B5EF4-FFF2-40B4-BE49-F238E27FC236}">
+                <a16:creationId xmlns:a16="http://schemas.microsoft.com/office/drawing/2014/main" id="{E4C08E1A-F273-625F-5415-ED7945AD6560}"/>
+              </a:ext>
+            </a:extLst>
+          </p:cNvPr>
+          <p:cNvCxnSpPr/>
+          <p:nvPr/>
+        </p:nvCxnSpPr>
+        <p:spPr>
+          <a:xfrm>
+            <a:off x="1525826" y="1366018"/>
+            <a:ext cx="1827470" cy="0"/>
+          </a:xfrm>
+          <a:prstGeom prst="line">
+            <a:avLst/>
+          </a:prstGeom>
+          <a:ln>
+            <a:solidFill>
+              <a:schemeClr val="tx1"/>
+            </a:solidFill>
+            <a:prstDash val="sysDash"/>
+          </a:ln>
+        </p:spPr>
+        <p:style>
+          <a:lnRef idx="2">
+            <a:schemeClr val="accent1"/>
+          </a:lnRef>
+          <a:fillRef idx="0">
+            <a:schemeClr val="accent1"/>
+          </a:fillRef>
+          <a:effectRef idx="1">
+            <a:schemeClr val="accent1"/>
+          </a:effectRef>
+          <a:fontRef idx="minor">
+            <a:schemeClr val="tx1"/>
+          </a:fontRef>
+        </p:style>
+      </p:cxnSp>
+      <p:sp>
+        <p:nvSpPr>
+          <p:cNvPr id="33" name="テキスト ボックス 32">
+            <a:extLst>
+              <a:ext uri="{FF2B5EF4-FFF2-40B4-BE49-F238E27FC236}">
+                <a16:creationId xmlns:a16="http://schemas.microsoft.com/office/drawing/2014/main" id="{E01D05D7-971C-973F-D420-46E162CFBC95}"/>
+              </a:ext>
+            </a:extLst>
+          </p:cNvPr>
+          <p:cNvSpPr txBox="1"/>
+          <p:nvPr/>
+        </p:nvSpPr>
+        <p:spPr>
+          <a:xfrm>
+            <a:off x="3414204" y="5905017"/>
+            <a:ext cx="1253591" cy="338554"/>
+          </a:xfrm>
+          <a:prstGeom prst="rect">
+            <a:avLst/>
+          </a:prstGeom>
+          <a:noFill/>
+        </p:spPr>
+        <p:txBody>
+          <a:bodyPr wrap="square" rtlCol="0">
+            <a:spAutoFit/>
+          </a:bodyPr>
+          <a:lstStyle/>
+          <a:p>
+            <a:r>
+              <a:rPr lang="en-US" altLang="ja-JP" sz="1600"/>
+              <a:t>Peak year</a:t>
+            </a:r>
+            <a:endParaRPr kumimoji="1" lang="en-US" altLang="ja-JP" sz="1600"/>
+          </a:p>
+        </p:txBody>
+      </p:sp>
+      <p:sp>
+        <p:nvSpPr>
+          <p:cNvPr id="36" name="テキスト ボックス 35">
+            <a:extLst>
+              <a:ext uri="{FF2B5EF4-FFF2-40B4-BE49-F238E27FC236}">
+                <a16:creationId xmlns:a16="http://schemas.microsoft.com/office/drawing/2014/main" id="{48309F8E-6C36-C6FA-C12F-D91AB30AFC7D}"/>
+              </a:ext>
+            </a:extLst>
+          </p:cNvPr>
+          <p:cNvSpPr txBox="1"/>
+          <p:nvPr/>
+        </p:nvSpPr>
+        <p:spPr>
+          <a:xfrm>
+            <a:off x="7502437" y="5905017"/>
+            <a:ext cx="1421949" cy="338554"/>
+          </a:xfrm>
+          <a:prstGeom prst="rect">
+            <a:avLst/>
+          </a:prstGeom>
+          <a:noFill/>
+        </p:spPr>
+        <p:txBody>
+          <a:bodyPr wrap="square" rtlCol="0">
+            <a:spAutoFit/>
+          </a:bodyPr>
+          <a:lstStyle/>
+          <a:p>
+            <a:r>
+              <a:rPr lang="en-US" altLang="ja-JP" sz="1600"/>
+              <a:t>Decay year</a:t>
+            </a:r>
+            <a:endParaRPr kumimoji="1" lang="en-US" altLang="ja-JP" sz="1600"/>
+          </a:p>
+        </p:txBody>
+      </p:sp>
+      <p:sp>
+        <p:nvSpPr>
+          <p:cNvPr id="37" name="テキスト ボックス 36">
+            <a:extLst>
+              <a:ext uri="{FF2B5EF4-FFF2-40B4-BE49-F238E27FC236}">
+                <a16:creationId xmlns:a16="http://schemas.microsoft.com/office/drawing/2014/main" id="{682850F5-EF4E-422E-24C8-A52530E72C31}"/>
+              </a:ext>
+            </a:extLst>
+          </p:cNvPr>
+          <p:cNvSpPr txBox="1"/>
+          <p:nvPr/>
+        </p:nvSpPr>
+        <p:spPr>
+          <a:xfrm>
+            <a:off x="6107873" y="3818953"/>
+            <a:ext cx="2340705" cy="338554"/>
+          </a:xfrm>
+          <a:prstGeom prst="rect">
+            <a:avLst/>
+          </a:prstGeom>
+          <a:noFill/>
+        </p:spPr>
+        <p:txBody>
+          <a:bodyPr wrap="none" rtlCol="0">
+            <a:spAutoFit/>
+          </a:bodyPr>
+          <a:lstStyle/>
+          <a:p>
+            <a:r>
+              <a:rPr kumimoji="1" lang="en-US" altLang="ja-JP" sz="1600"/>
+              <a:t>Total cited : </a:t>
+            </a:r>
+            <a:r>
+              <a:rPr kumimoji="1" lang="en-US" altLang="ja-JP" sz="1600" b="1"/>
+              <a:t>A </a:t>
+            </a:r>
+            <a:r>
+              <a:rPr kumimoji="1" lang="en-US" altLang="ja-JP" sz="1600"/>
+              <a:t>+ </a:t>
+            </a:r>
+            <a:r>
+              <a:rPr kumimoji="1" lang="en-US" altLang="ja-JP" sz="1600" b="1"/>
+              <a:t>B </a:t>
+            </a:r>
+            <a:r>
+              <a:rPr kumimoji="1" lang="en-US" altLang="ja-JP" sz="1600"/>
+              <a:t>+ </a:t>
+            </a:r>
+            <a:r>
+              <a:rPr kumimoji="1" lang="en-US" altLang="ja-JP" sz="1600" b="1"/>
+              <a:t>C</a:t>
+            </a:r>
+            <a:endParaRPr kumimoji="1" lang="ja-JP" altLang="en-US" sz="1600" b="1"/>
+          </a:p>
+        </p:txBody>
+      </p:sp>
+      <p:sp>
+        <p:nvSpPr>
+          <p:cNvPr id="39" name="テキスト ボックス 38">
+            <a:extLst>
+              <a:ext uri="{FF2B5EF4-FFF2-40B4-BE49-F238E27FC236}">
+                <a16:creationId xmlns:a16="http://schemas.microsoft.com/office/drawing/2014/main" id="{D550D200-7A93-F924-D9FA-A175886B0132}"/>
+              </a:ext>
+            </a:extLst>
+          </p:cNvPr>
+          <p:cNvSpPr txBox="1"/>
+          <p:nvPr/>
+        </p:nvSpPr>
+        <p:spPr>
+          <a:xfrm>
+            <a:off x="4682273" y="2268989"/>
+            <a:ext cx="417102" cy="369332"/>
+          </a:xfrm>
+          <a:prstGeom prst="rect">
+            <a:avLst/>
+          </a:prstGeom>
+          <a:noFill/>
+        </p:spPr>
+        <p:txBody>
+          <a:bodyPr wrap="none" rtlCol="0">
+            <a:spAutoFit/>
+          </a:bodyPr>
+          <a:lstStyle/>
+          <a:p>
+            <a:r>
+              <a:rPr lang="en-US" altLang="ja-JP"/>
+              <a:t>&gt;</a:t>
+            </a:r>
+            <a:r>
+              <a:rPr kumimoji="1" lang="en-US" altLang="ja-JP"/>
+              <a:t> </a:t>
+            </a:r>
+            <a:endParaRPr kumimoji="1" lang="ja-JP" altLang="en-US"/>
+          </a:p>
+        </p:txBody>
+      </p:sp>
+      <mc:AlternateContent xmlns:mc="http://schemas.openxmlformats.org/markup-compatibility/2006">
+        <mc:Choice xmlns:a14="http://schemas.microsoft.com/office/drawing/2010/main" Requires="a14">
+          <p:sp>
+            <p:nvSpPr>
+              <p:cNvPr id="40" name="テキスト ボックス 39">
+                <a:extLst>
+                  <a:ext uri="{FF2B5EF4-FFF2-40B4-BE49-F238E27FC236}">
+                    <a16:creationId xmlns:a16="http://schemas.microsoft.com/office/drawing/2014/main" id="{FA7D8DAB-36A7-F340-D8F3-B7B301583E17}"/>
+                  </a:ext>
+                </a:extLst>
+              </p:cNvPr>
+              <p:cNvSpPr txBox="1"/>
+              <p:nvPr/>
+            </p:nvSpPr>
+            <p:spPr>
+              <a:xfrm>
+                <a:off x="5082418" y="2261817"/>
+                <a:ext cx="304314" cy="298415"/>
+              </a:xfrm>
+              <a:prstGeom prst="rect">
+                <a:avLst/>
+              </a:prstGeom>
+              <a:noFill/>
+            </p:spPr>
+            <p:txBody>
+              <a:bodyPr wrap="none" lIns="0" tIns="0" rIns="0" bIns="0" rtlCol="0">
+                <a:spAutoFit/>
+              </a:bodyPr>
+              <a:lstStyle/>
+              <a:p>
+                <a:pPr/>
+                <a14:m>
+                  <m:oMathPara xmlns:m="http://schemas.openxmlformats.org/officeDocument/2006/math">
+                    <m:oMathParaPr>
+                      <m:jc m:val="centerGroup"/>
+                    </m:oMathParaPr>
+                    <m:oMath xmlns:m="http://schemas.openxmlformats.org/officeDocument/2006/math">
+                      <m:sSub>
+                        <m:sSubPr>
+                          <m:ctrlPr>
+                            <a:rPr kumimoji="1" lang="en-US" altLang="ja-JP" b="0" i="1">
+                              <a:latin typeface="Cambria Math" panose="02040503050406030204" pitchFamily="18" charset="0"/>
+                            </a:rPr>
+                          </m:ctrlPr>
+                        </m:sSubPr>
+                        <m:e>
+                          <m:r>
+                            <a:rPr kumimoji="1" lang="en-US" altLang="ja-JP" b="0" i="1">
+                              <a:latin typeface="Cambria Math" panose="02040503050406030204" pitchFamily="18" charset="0"/>
+                            </a:rPr>
+                            <m:t>𝑥</m:t>
+                          </m:r>
+                        </m:e>
+                        <m:sub>
+                          <m:r>
+                            <a:rPr kumimoji="1" lang="en-US" altLang="ja-JP" b="0" i="1">
+                              <a:latin typeface="Cambria Math" panose="02040503050406030204" pitchFamily="18" charset="0"/>
+                            </a:rPr>
+                            <m:t>𝑝</m:t>
+                          </m:r>
+                        </m:sub>
+                      </m:sSub>
+                    </m:oMath>
+                  </m:oMathPara>
+                </a14:m>
+                <a:endParaRPr kumimoji="1" lang="ja-JP" altLang="en-US"/>
+              </a:p>
+            </p:txBody>
+          </p:sp>
+        </mc:Choice>
+        <mc:Fallback>
+          <p:sp>
+            <p:nvSpPr>
+              <p:cNvPr id="40" name="テキスト ボックス 39">
+                <a:extLst>
+                  <a:ext uri="{FF2B5EF4-FFF2-40B4-BE49-F238E27FC236}">
+                    <a16:creationId xmlns:a16="http://schemas.microsoft.com/office/drawing/2014/main" id="{FA7D8DAB-36A7-F340-D8F3-B7B301583E17}"/>
+                  </a:ext>
+                </a:extLst>
+              </p:cNvPr>
+              <p:cNvSpPr txBox="1">
+                <a:spLocks noRot="1" noChangeAspect="1" noMove="1" noResize="1" noEditPoints="1" noAdjustHandles="1" noChangeArrowheads="1" noChangeShapeType="1" noTextEdit="1"/>
+              </p:cNvSpPr>
+              <p:nvPr/>
+            </p:nvSpPr>
+            <p:spPr>
+              <a:xfrm>
+                <a:off x="5082418" y="2261817"/>
+                <a:ext cx="304314" cy="298415"/>
+              </a:xfrm>
+              <a:prstGeom prst="rect">
+                <a:avLst/>
+              </a:prstGeom>
+              <a:blipFill>
+                <a:blip r:embed="rId11"/>
+                <a:stretch>
+                  <a:fillRect l="-12000" r="-4000" b="-20833"/>
+                </a:stretch>
+              </a:blipFill>
+            </p:spPr>
+            <p:txBody>
+              <a:bodyPr/>
+              <a:lstStyle/>
+              <a:p>
+                <a:r>
+                  <a:rPr lang="ja-JP" altLang="en-US">
+                    <a:noFill/>
+                  </a:rPr>
+                  <a:t> </a:t>
+                </a:r>
+              </a:p>
+            </p:txBody>
+          </p:sp>
+        </mc:Fallback>
+      </mc:AlternateContent>
+      <mc:AlternateContent xmlns:mc="http://schemas.openxmlformats.org/markup-compatibility/2006">
+        <mc:Choice xmlns:a14="http://schemas.microsoft.com/office/drawing/2010/main" Requires="a14">
+          <p:sp>
+            <p:nvSpPr>
+              <p:cNvPr id="42" name="テキスト ボックス 41">
+                <a:extLst>
+                  <a:ext uri="{FF2B5EF4-FFF2-40B4-BE49-F238E27FC236}">
+                    <a16:creationId xmlns:a16="http://schemas.microsoft.com/office/drawing/2014/main" id="{B3701314-BA34-EE0A-8DDE-8DF72277B3D5}"/>
+                  </a:ext>
+                </a:extLst>
+              </p:cNvPr>
+              <p:cNvSpPr txBox="1"/>
+              <p:nvPr/>
+            </p:nvSpPr>
+            <p:spPr>
+              <a:xfrm>
+                <a:off x="1282772" y="498205"/>
+                <a:ext cx="535724" cy="276999"/>
+              </a:xfrm>
+              <a:prstGeom prst="rect">
+                <a:avLst/>
+              </a:prstGeom>
+              <a:noFill/>
+            </p:spPr>
+            <p:txBody>
+              <a:bodyPr wrap="none" lIns="0" tIns="0" rIns="0" bIns="0" rtlCol="0">
+                <a:spAutoFit/>
+              </a:bodyPr>
+              <a:lstStyle/>
+              <a:p>
+                <a:pPr/>
+                <a14:m>
+                  <m:oMathPara xmlns:m="http://schemas.openxmlformats.org/officeDocument/2006/math">
+                    <m:oMathParaPr>
+                      <m:jc m:val="centerGroup"/>
+                    </m:oMathParaPr>
+                    <m:oMath xmlns:m="http://schemas.openxmlformats.org/officeDocument/2006/math">
+                      <m:r>
+                        <a:rPr kumimoji="1" lang="en-US" altLang="ja-JP" b="0" i="1">
+                          <a:latin typeface="Cambria Math" panose="02040503050406030204" pitchFamily="18" charset="0"/>
+                        </a:rPr>
+                        <m:t>𝐶</m:t>
+                      </m:r>
+                      <m:d>
+                        <m:dPr>
+                          <m:ctrlPr>
+                            <a:rPr kumimoji="1" lang="en-US" altLang="ja-JP" b="0" i="1">
+                              <a:latin typeface="Cambria Math" panose="02040503050406030204" pitchFamily="18" charset="0"/>
+                            </a:rPr>
+                          </m:ctrlPr>
+                        </m:dPr>
+                        <m:e>
+                          <m:r>
+                            <a:rPr kumimoji="1" lang="en-US" altLang="ja-JP" b="0" i="1">
+                              <a:latin typeface="Cambria Math" panose="02040503050406030204" pitchFamily="18" charset="0"/>
+                            </a:rPr>
+                            <m:t>𝑥</m:t>
+                          </m:r>
+                        </m:e>
+                      </m:d>
+                    </m:oMath>
+                  </m:oMathPara>
+                </a14:m>
+                <a:endParaRPr kumimoji="1" lang="en-US" altLang="ja-JP" b="0"/>
+              </a:p>
+            </p:txBody>
+          </p:sp>
+        </mc:Choice>
+        <mc:Fallback>
+          <p:sp>
+            <p:nvSpPr>
+              <p:cNvPr id="42" name="テキスト ボックス 41">
+                <a:extLst>
+                  <a:ext uri="{FF2B5EF4-FFF2-40B4-BE49-F238E27FC236}">
+                    <a16:creationId xmlns:a16="http://schemas.microsoft.com/office/drawing/2014/main" id="{B3701314-BA34-EE0A-8DDE-8DF72277B3D5}"/>
+                  </a:ext>
+                </a:extLst>
+              </p:cNvPr>
+              <p:cNvSpPr txBox="1">
+                <a:spLocks noRot="1" noChangeAspect="1" noMove="1" noResize="1" noEditPoints="1" noAdjustHandles="1" noChangeArrowheads="1" noChangeShapeType="1" noTextEdit="1"/>
+              </p:cNvSpPr>
+              <p:nvPr/>
+            </p:nvSpPr>
+            <p:spPr>
+              <a:xfrm>
+                <a:off x="1282772" y="498205"/>
+                <a:ext cx="535724" cy="276999"/>
+              </a:xfrm>
+              <a:prstGeom prst="rect">
+                <a:avLst/>
+              </a:prstGeom>
+              <a:blipFill>
+                <a:blip r:embed="rId12"/>
+                <a:stretch>
+                  <a:fillRect l="-6818" b="-9091"/>
+                </a:stretch>
+              </a:blipFill>
+            </p:spPr>
+            <p:txBody>
+              <a:bodyPr/>
+              <a:lstStyle/>
+              <a:p>
+                <a:r>
+                  <a:rPr lang="ja-JP" altLang="en-US">
+                    <a:noFill/>
+                  </a:rPr>
+                  <a:t> </a:t>
+                </a:r>
+              </a:p>
+            </p:txBody>
+          </p:sp>
+        </mc:Fallback>
+      </mc:AlternateContent>
+      <p:sp>
+        <p:nvSpPr>
+          <p:cNvPr id="47" name="テキスト ボックス 46">
+            <a:extLst>
+              <a:ext uri="{FF2B5EF4-FFF2-40B4-BE49-F238E27FC236}">
+                <a16:creationId xmlns:a16="http://schemas.microsoft.com/office/drawing/2014/main" id="{2A242A9B-E474-CC93-30E2-8148909E6B4D}"/>
+              </a:ext>
+            </a:extLst>
+          </p:cNvPr>
+          <p:cNvSpPr txBox="1"/>
+          <p:nvPr/>
+        </p:nvSpPr>
+        <p:spPr>
+          <a:xfrm>
+            <a:off x="113750" y="133859"/>
+            <a:ext cx="2964273" cy="369332"/>
+          </a:xfrm>
+          <a:prstGeom prst="rect">
+            <a:avLst/>
+          </a:prstGeom>
+          <a:noFill/>
+        </p:spPr>
+        <p:txBody>
+          <a:bodyPr wrap="none" rtlCol="0">
+            <a:spAutoFit/>
+          </a:bodyPr>
+          <a:lstStyle/>
+          <a:p>
+            <a:r>
+              <a:rPr kumimoji="1" lang="en-US" altLang="ja-JP"/>
+              <a:t>Number of cited per year :</a:t>
+            </a:r>
+            <a:endParaRPr kumimoji="1" lang="ja-JP" altLang="en-US"/>
+          </a:p>
+        </p:txBody>
+      </p:sp>
+      <mc:AlternateContent xmlns:mc="http://schemas.openxmlformats.org/markup-compatibility/2006">
+        <mc:Choice xmlns:a14="http://schemas.microsoft.com/office/drawing/2010/main" Requires="a14">
+          <p:sp>
+            <p:nvSpPr>
+              <p:cNvPr id="11" name="テキスト ボックス 10">
+                <a:extLst>
+                  <a:ext uri="{FF2B5EF4-FFF2-40B4-BE49-F238E27FC236}">
+                    <a16:creationId xmlns:a16="http://schemas.microsoft.com/office/drawing/2014/main" id="{59E8DF4D-92E7-68BC-CF8F-C5D2740AC08F}"/>
+                  </a:ext>
+                </a:extLst>
+              </p:cNvPr>
+              <p:cNvSpPr txBox="1"/>
+              <p:nvPr/>
+            </p:nvSpPr>
+            <p:spPr>
+              <a:xfrm>
+                <a:off x="7424884" y="790270"/>
+                <a:ext cx="4661854" cy="1107996"/>
+              </a:xfrm>
+              <a:prstGeom prst="rect">
+                <a:avLst/>
+              </a:prstGeom>
+              <a:noFill/>
+            </p:spPr>
+            <p:txBody>
+              <a:bodyPr wrap="none" rtlCol="0">
+                <a:spAutoFit/>
+              </a:bodyPr>
+              <a:lstStyle/>
+              <a:p>
+                <a:r>
+                  <a:rPr kumimoji="1" lang="en-US" altLang="ja-JP"/>
+                  <a:t>Conditon :</a:t>
+                </a:r>
+              </a:p>
+              <a:p>
+                <a:r>
+                  <a:rPr lang="en-US" altLang="ja-JP" sz="1600"/>
+                  <a:t>- Peak period + Decay period </a:t>
+                </a:r>
+                <a:r>
+                  <a:rPr lang="ja-JP" altLang="en-US" sz="1600"/>
+                  <a:t>≧</a:t>
+                </a:r>
+                <a:r>
+                  <a:rPr lang="en-US" altLang="ja-JP" sz="1600"/>
+                  <a:t> 10</a:t>
+                </a:r>
+              </a:p>
+              <a:p>
+                <a:r>
+                  <a:rPr kumimoji="1" lang="en-US" altLang="ja-JP" sz="1600"/>
+                  <a:t>- Peak period </a:t>
+                </a:r>
+                <a:r>
+                  <a:rPr kumimoji="1" lang="ja-JP" altLang="en-US" sz="1600"/>
+                  <a:t>≦</a:t>
+                </a:r>
+                <a:r>
+                  <a:rPr kumimoji="1" lang="en-US" altLang="ja-JP" sz="1600"/>
+                  <a:t> Decay period + Sustain period</a:t>
+                </a:r>
+              </a:p>
+              <a:p>
+                <a:r>
+                  <a:rPr lang="en-US" altLang="ja-JP" sz="1600"/>
+                  <a:t>- </a:t>
+                </a:r>
+                <a14:m>
+                  <m:oMath xmlns:m="http://schemas.openxmlformats.org/officeDocument/2006/math">
+                    <m:sSub>
+                      <m:sSubPr>
+                        <m:ctrlPr>
+                          <a:rPr lang="en-US" altLang="ja-JP" sz="1600" i="1">
+                            <a:latin typeface="Cambria Math" panose="02040503050406030204" pitchFamily="18" charset="0"/>
+                          </a:rPr>
+                        </m:ctrlPr>
+                      </m:sSubPr>
+                      <m:e>
+                        <m:r>
+                          <a:rPr lang="en-US" altLang="ja-JP" sz="1600" b="0" i="1">
+                            <a:latin typeface="Cambria Math" panose="02040503050406030204" pitchFamily="18" charset="0"/>
+                          </a:rPr>
+                          <m:t>𝑥</m:t>
+                        </m:r>
+                      </m:e>
+                      <m:sub>
+                        <m:r>
+                          <a:rPr lang="en-US" altLang="ja-JP" sz="1600" b="0" i="1">
+                            <a:latin typeface="Cambria Math" panose="02040503050406030204" pitchFamily="18" charset="0"/>
+                          </a:rPr>
+                          <m:t>𝑑</m:t>
+                        </m:r>
+                      </m:sub>
+                    </m:sSub>
+                  </m:oMath>
+                </a14:m>
+                <a:r>
+                  <a:rPr kumimoji="1" lang="en-US" altLang="ja-JP" sz="1600"/>
+                  <a:t> is exist</a:t>
+                </a:r>
+                <a:endParaRPr kumimoji="1" lang="ja-JP" altLang="en-US" sz="1600"/>
+              </a:p>
+            </p:txBody>
+          </p:sp>
+        </mc:Choice>
+        <mc:Fallback>
+          <p:sp>
+            <p:nvSpPr>
+              <p:cNvPr id="11" name="テキスト ボックス 10">
+                <a:extLst>
+                  <a:ext uri="{FF2B5EF4-FFF2-40B4-BE49-F238E27FC236}">
+                    <a16:creationId xmlns:a16="http://schemas.microsoft.com/office/drawing/2014/main" id="{59E8DF4D-92E7-68BC-CF8F-C5D2740AC08F}"/>
+                  </a:ext>
+                </a:extLst>
+              </p:cNvPr>
+              <p:cNvSpPr txBox="1">
+                <a:spLocks noRot="1" noChangeAspect="1" noMove="1" noResize="1" noEditPoints="1" noAdjustHandles="1" noChangeArrowheads="1" noChangeShapeType="1" noTextEdit="1"/>
+              </p:cNvSpPr>
+              <p:nvPr/>
+            </p:nvSpPr>
+            <p:spPr>
+              <a:xfrm>
+                <a:off x="7424884" y="790270"/>
+                <a:ext cx="4661854" cy="1107996"/>
+              </a:xfrm>
+              <a:prstGeom prst="rect">
+                <a:avLst/>
+              </a:prstGeom>
+              <a:blipFill>
+                <a:blip r:embed="rId13"/>
+                <a:stretch>
+                  <a:fillRect l="-1087" t="-2273" b="-6818"/>
+                </a:stretch>
+              </a:blipFill>
+            </p:spPr>
+            <p:txBody>
+              <a:bodyPr/>
+              <a:lstStyle/>
+              <a:p>
+                <a:r>
+                  <a:rPr lang="ja-JP" altLang="en-US">
+                    <a:noFill/>
+                  </a:rPr>
+                  <a:t> </a:t>
+                </a:r>
+              </a:p>
+            </p:txBody>
+          </p:sp>
+        </mc:Fallback>
+      </mc:AlternateContent>
+      <mc:AlternateContent xmlns:mc="http://schemas.openxmlformats.org/markup-compatibility/2006">
+        <mc:Choice xmlns:a14="http://schemas.microsoft.com/office/drawing/2010/main" Requires="a14">
+          <p:sp>
+            <p:nvSpPr>
+              <p:cNvPr id="17" name="テキスト ボックス 16">
+                <a:extLst>
+                  <a:ext uri="{FF2B5EF4-FFF2-40B4-BE49-F238E27FC236}">
+                    <a16:creationId xmlns:a16="http://schemas.microsoft.com/office/drawing/2014/main" id="{FC4BC745-E885-813C-822D-C0D6337E7757}"/>
+                  </a:ext>
+                </a:extLst>
+              </p:cNvPr>
+              <p:cNvSpPr txBox="1"/>
+              <p:nvPr/>
+            </p:nvSpPr>
+            <p:spPr>
+              <a:xfrm>
+                <a:off x="9725910" y="5620694"/>
+                <a:ext cx="261545" cy="276999"/>
+              </a:xfrm>
+              <a:prstGeom prst="rect">
+                <a:avLst/>
+              </a:prstGeom>
+              <a:noFill/>
+            </p:spPr>
+            <p:txBody>
+              <a:bodyPr wrap="none" lIns="0" tIns="0" rIns="0" bIns="0" rtlCol="0">
+                <a:spAutoFit/>
+              </a:bodyPr>
+              <a:lstStyle/>
+              <a:p>
+                <a:pPr/>
+                <a14:m>
+                  <m:oMathPara xmlns:m="http://schemas.openxmlformats.org/officeDocument/2006/math">
+                    <m:oMathParaPr>
+                      <m:jc m:val="centerGroup"/>
+                    </m:oMathParaPr>
+                    <m:oMath xmlns:m="http://schemas.openxmlformats.org/officeDocument/2006/math">
+                      <m:sSub>
+                        <m:sSubPr>
+                          <m:ctrlPr>
+                            <a:rPr kumimoji="1" lang="en-US" altLang="ja-JP" b="0" i="1">
+                              <a:latin typeface="Cambria Math" panose="02040503050406030204" pitchFamily="18" charset="0"/>
+                            </a:rPr>
+                          </m:ctrlPr>
+                        </m:sSubPr>
+                        <m:e>
+                          <m:r>
+                            <a:rPr kumimoji="1" lang="en-US" altLang="ja-JP" b="0" i="1">
+                              <a:latin typeface="Cambria Math" panose="02040503050406030204" pitchFamily="18" charset="0"/>
+                            </a:rPr>
+                            <m:t>𝑥</m:t>
+                          </m:r>
+                        </m:e>
+                        <m:sub>
+                          <m:r>
+                            <a:rPr kumimoji="1" lang="en-US" altLang="ja-JP" b="0" i="1">
+                              <a:latin typeface="Cambria Math" panose="02040503050406030204" pitchFamily="18" charset="0"/>
+                            </a:rPr>
+                            <m:t>𝑙</m:t>
+                          </m:r>
+                        </m:sub>
+                      </m:sSub>
+                    </m:oMath>
+                  </m:oMathPara>
+                </a14:m>
+                <a:endParaRPr kumimoji="1" lang="ja-JP" altLang="en-US"/>
+              </a:p>
+            </p:txBody>
+          </p:sp>
+        </mc:Choice>
+        <mc:Fallback>
+          <p:sp>
+            <p:nvSpPr>
+              <p:cNvPr id="17" name="テキスト ボックス 16">
+                <a:extLst>
+                  <a:ext uri="{FF2B5EF4-FFF2-40B4-BE49-F238E27FC236}">
+                    <a16:creationId xmlns:a16="http://schemas.microsoft.com/office/drawing/2014/main" id="{FC4BC745-E885-813C-822D-C0D6337E7757}"/>
+                  </a:ext>
+                </a:extLst>
+              </p:cNvPr>
+              <p:cNvSpPr txBox="1">
+                <a:spLocks noRot="1" noChangeAspect="1" noMove="1" noResize="1" noEditPoints="1" noAdjustHandles="1" noChangeArrowheads="1" noChangeShapeType="1" noTextEdit="1"/>
+              </p:cNvSpPr>
+              <p:nvPr/>
+            </p:nvSpPr>
+            <p:spPr>
+              <a:xfrm>
+                <a:off x="9725910" y="5620694"/>
+                <a:ext cx="261545" cy="276999"/>
+              </a:xfrm>
+              <a:prstGeom prst="rect">
+                <a:avLst/>
+              </a:prstGeom>
+              <a:blipFill>
+                <a:blip r:embed="rId14"/>
+                <a:stretch>
+                  <a:fillRect l="-9091" b="-13043"/>
+                </a:stretch>
+              </a:blipFill>
+            </p:spPr>
+            <p:txBody>
+              <a:bodyPr/>
+              <a:lstStyle/>
+              <a:p>
+                <a:r>
+                  <a:rPr lang="ja-JP" altLang="en-US">
+                    <a:noFill/>
+                  </a:rPr>
+                  <a:t> </a:t>
+                </a:r>
+              </a:p>
+            </p:txBody>
+          </p:sp>
+        </mc:Fallback>
+      </mc:AlternateContent>
+      <p:sp>
+        <p:nvSpPr>
+          <p:cNvPr id="18" name="テキスト ボックス 17">
+            <a:extLst>
+              <a:ext uri="{FF2B5EF4-FFF2-40B4-BE49-F238E27FC236}">
+                <a16:creationId xmlns:a16="http://schemas.microsoft.com/office/drawing/2014/main" id="{88A6F390-2430-1B1E-B866-2EFDF77B709C}"/>
+              </a:ext>
+            </a:extLst>
+          </p:cNvPr>
+          <p:cNvSpPr txBox="1"/>
+          <p:nvPr/>
+        </p:nvSpPr>
+        <p:spPr>
+          <a:xfrm>
+            <a:off x="9131209" y="5907655"/>
+            <a:ext cx="1151781" cy="338554"/>
+          </a:xfrm>
+          <a:prstGeom prst="rect">
+            <a:avLst/>
+          </a:prstGeom>
+          <a:noFill/>
+        </p:spPr>
+        <p:txBody>
+          <a:bodyPr wrap="square" rtlCol="0">
+            <a:spAutoFit/>
+          </a:bodyPr>
+          <a:lstStyle/>
+          <a:p>
+            <a:r>
+              <a:rPr lang="en-US" altLang="ja-JP" sz="1600"/>
+              <a:t>Last year</a:t>
+            </a:r>
+            <a:endParaRPr kumimoji="1" lang="en-US" altLang="ja-JP" sz="1600"/>
+          </a:p>
+        </p:txBody>
+      </p:sp>
+      <p:cxnSp>
+        <p:nvCxnSpPr>
+          <p:cNvPr id="26" name="直線コネクタ 25">
+            <a:extLst>
+              <a:ext uri="{FF2B5EF4-FFF2-40B4-BE49-F238E27FC236}">
+                <a16:creationId xmlns:a16="http://schemas.microsoft.com/office/drawing/2014/main" id="{9AC0B18C-D021-8371-5A11-053A8E3F5AC6}"/>
+              </a:ext>
+            </a:extLst>
+          </p:cNvPr>
+          <p:cNvCxnSpPr>
+            <a:cxnSpLocks/>
+          </p:cNvCxnSpPr>
+          <p:nvPr/>
+        </p:nvCxnSpPr>
+        <p:spPr>
+          <a:xfrm>
+            <a:off x="9865188" y="4948338"/>
+            <a:ext cx="0" cy="635074"/>
+          </a:xfrm>
+          <a:prstGeom prst="line">
+            <a:avLst/>
+          </a:prstGeom>
+          <a:ln>
+            <a:solidFill>
+              <a:schemeClr val="tx1"/>
+            </a:solidFill>
+            <a:prstDash val="dash"/>
+            <a:headEnd type="none"/>
+            <a:tailEnd type="none"/>
+          </a:ln>
+        </p:spPr>
+        <p:style>
+          <a:lnRef idx="2">
+            <a:schemeClr val="accent1"/>
+          </a:lnRef>
+          <a:fillRef idx="0">
+            <a:schemeClr val="accent1"/>
+          </a:fillRef>
+          <a:effectRef idx="1">
+            <a:schemeClr val="accent1"/>
+          </a:effectRef>
+          <a:fontRef idx="minor">
+            <a:schemeClr val="tx1"/>
+          </a:fontRef>
+        </p:style>
+      </p:cxnSp>
+      <p:cxnSp>
+        <p:nvCxnSpPr>
+          <p:cNvPr id="29" name="直線コネクタ 28">
+            <a:extLst>
+              <a:ext uri="{FF2B5EF4-FFF2-40B4-BE49-F238E27FC236}">
+                <a16:creationId xmlns:a16="http://schemas.microsoft.com/office/drawing/2014/main" id="{8EBA0A86-464C-F72B-6456-CC00AD62F2FF}"/>
+              </a:ext>
+            </a:extLst>
+          </p:cNvPr>
+          <p:cNvCxnSpPr>
+            <a:cxnSpLocks/>
+          </p:cNvCxnSpPr>
+          <p:nvPr/>
+        </p:nvCxnSpPr>
+        <p:spPr>
+          <a:xfrm>
+            <a:off x="7502337" y="5241161"/>
+            <a:ext cx="2390411" cy="2966"/>
+          </a:xfrm>
+          <a:prstGeom prst="line">
+            <a:avLst/>
+          </a:prstGeom>
+          <a:ln>
+            <a:solidFill>
+              <a:schemeClr val="tx1"/>
+            </a:solidFill>
+            <a:headEnd type="arrow"/>
+            <a:tailEnd type="arrow"/>
+          </a:ln>
+        </p:spPr>
+        <p:style>
+          <a:lnRef idx="2">
+            <a:schemeClr val="accent1"/>
+          </a:lnRef>
+          <a:fillRef idx="0">
+            <a:schemeClr val="accent1"/>
+          </a:fillRef>
+          <a:effectRef idx="1">
+            <a:schemeClr val="accent1"/>
+          </a:effectRef>
+          <a:fontRef idx="minor">
+            <a:schemeClr val="tx1"/>
+          </a:fontRef>
+        </p:style>
+      </p:cxnSp>
+      <p:sp>
+        <p:nvSpPr>
+          <p:cNvPr id="43" name="テキスト ボックス 42">
+            <a:extLst>
+              <a:ext uri="{FF2B5EF4-FFF2-40B4-BE49-F238E27FC236}">
+                <a16:creationId xmlns:a16="http://schemas.microsoft.com/office/drawing/2014/main" id="{7533C8EB-92AC-8A37-11AF-B2462B08C5DD}"/>
+              </a:ext>
+            </a:extLst>
+          </p:cNvPr>
+          <p:cNvSpPr txBox="1"/>
+          <p:nvPr/>
+        </p:nvSpPr>
+        <p:spPr>
+          <a:xfrm>
+            <a:off x="7925813" y="4802709"/>
+            <a:ext cx="1721946" cy="369332"/>
+          </a:xfrm>
+          <a:prstGeom prst="rect">
+            <a:avLst/>
+          </a:prstGeom>
+          <a:solidFill>
+            <a:schemeClr val="bg1"/>
+          </a:solidFill>
+          <a:ln>
+            <a:noFill/>
+          </a:ln>
+        </p:spPr>
+        <p:txBody>
+          <a:bodyPr wrap="none" rtlCol="0">
+            <a:spAutoFit/>
+          </a:bodyPr>
+          <a:lstStyle/>
+          <a:p>
+            <a:r>
+              <a:rPr kumimoji="1" lang="en-US" altLang="ja-JP"/>
+              <a:t>Sustain period</a:t>
+            </a:r>
+            <a:endParaRPr kumimoji="1" lang="ja-JP" altLang="en-US"/>
+          </a:p>
+        </p:txBody>
+      </p:sp>
     </p:spTree>
     <p:extLst>
       <p:ext uri="{BB962C8B-B14F-4D97-AF65-F5344CB8AC3E}">

--- a/202312/exec_command/element/reference/fig/fig001.pptx
+++ b/202312/exec_command/element/reference/fig/fig001.pptx
@@ -258,7 +258,7 @@
           <a:lstStyle/>
           <a:p>
             <a:fld id="{4EB8FCE9-CF21-EC44-8220-0D73A7C02086}" type="datetimeFigureOut">
-              <a:t>2025/9/30</a:t>
+              <a:t>2025/10/1</a:t>
             </a:fld>
             <a:endParaRPr kumimoji="1" lang="ja-JP" altLang="en-US"/>
           </a:p>
@@ -486,7 +486,7 @@
           <a:lstStyle/>
           <a:p>
             <a:fld id="{4EB8FCE9-CF21-EC44-8220-0D73A7C02086}" type="datetimeFigureOut">
-              <a:t>2025/9/30</a:t>
+              <a:t>2025/10/1</a:t>
             </a:fld>
             <a:endParaRPr kumimoji="1" lang="ja-JP" altLang="en-US"/>
           </a:p>
@@ -724,7 +724,7 @@
           <a:lstStyle/>
           <a:p>
             <a:fld id="{4EB8FCE9-CF21-EC44-8220-0D73A7C02086}" type="datetimeFigureOut">
-              <a:t>2025/9/30</a:t>
+              <a:t>2025/10/1</a:t>
             </a:fld>
             <a:endParaRPr kumimoji="1" lang="ja-JP" altLang="en-US"/>
           </a:p>
@@ -952,7 +952,7 @@
           <a:lstStyle/>
           <a:p>
             <a:fld id="{4EB8FCE9-CF21-EC44-8220-0D73A7C02086}" type="datetimeFigureOut">
-              <a:t>2025/9/30</a:t>
+              <a:t>2025/10/1</a:t>
             </a:fld>
             <a:endParaRPr kumimoji="1" lang="ja-JP" altLang="en-US"/>
           </a:p>
@@ -1225,7 +1225,7 @@
           <a:lstStyle/>
           <a:p>
             <a:fld id="{4EB8FCE9-CF21-EC44-8220-0D73A7C02086}" type="datetimeFigureOut">
-              <a:t>2025/9/30</a:t>
+              <a:t>2025/10/1</a:t>
             </a:fld>
             <a:endParaRPr kumimoji="1" lang="ja-JP" altLang="en-US"/>
           </a:p>
@@ -1552,7 +1552,7 @@
           <a:lstStyle/>
           <a:p>
             <a:fld id="{4EB8FCE9-CF21-EC44-8220-0D73A7C02086}" type="datetimeFigureOut">
-              <a:t>2025/9/30</a:t>
+              <a:t>2025/10/1</a:t>
             </a:fld>
             <a:endParaRPr kumimoji="1" lang="ja-JP" altLang="en-US"/>
           </a:p>
@@ -2026,7 +2026,7 @@
           <a:lstStyle/>
           <a:p>
             <a:fld id="{4EB8FCE9-CF21-EC44-8220-0D73A7C02086}" type="datetimeFigureOut">
-              <a:t>2025/9/30</a:t>
+              <a:t>2025/10/1</a:t>
             </a:fld>
             <a:endParaRPr kumimoji="1" lang="ja-JP" altLang="en-US"/>
           </a:p>
@@ -2165,7 +2165,7 @@
           <a:lstStyle/>
           <a:p>
             <a:fld id="{4EB8FCE9-CF21-EC44-8220-0D73A7C02086}" type="datetimeFigureOut">
-              <a:t>2025/9/30</a:t>
+              <a:t>2025/10/1</a:t>
             </a:fld>
             <a:endParaRPr kumimoji="1" lang="ja-JP" altLang="en-US"/>
           </a:p>
@@ -2276,7 +2276,7 @@
           <a:lstStyle/>
           <a:p>
             <a:fld id="{4EB8FCE9-CF21-EC44-8220-0D73A7C02086}" type="datetimeFigureOut">
-              <a:t>2025/9/30</a:t>
+              <a:t>2025/10/1</a:t>
             </a:fld>
             <a:endParaRPr kumimoji="1" lang="ja-JP" altLang="en-US"/>
           </a:p>
@@ -2617,7 +2617,7 @@
           <a:lstStyle/>
           <a:p>
             <a:fld id="{4EB8FCE9-CF21-EC44-8220-0D73A7C02086}" type="datetimeFigureOut">
-              <a:t>2025/9/30</a:t>
+              <a:t>2025/10/1</a:t>
             </a:fld>
             <a:endParaRPr kumimoji="1" lang="ja-JP" altLang="en-US"/>
           </a:p>
@@ -2903,7 +2903,7 @@
           <a:lstStyle/>
           <a:p>
             <a:fld id="{4EB8FCE9-CF21-EC44-8220-0D73A7C02086}" type="datetimeFigureOut">
-              <a:t>2025/9/30</a:t>
+              <a:t>2025/10/1</a:t>
             </a:fld>
             <a:endParaRPr kumimoji="1" lang="ja-JP" altLang="en-US"/>
           </a:p>
@@ -3174,7 +3174,7 @@
           </a:lstStyle>
           <a:p>
             <a:fld id="{4EB8FCE9-CF21-EC44-8220-0D73A7C02086}" type="datetimeFigureOut">
-              <a:t>2025/9/30</a:t>
+              <a:t>2025/10/1</a:t>
             </a:fld>
             <a:endParaRPr kumimoji="1" lang="ja-JP" altLang="en-US"/>
           </a:p>
@@ -3820,7 +3820,7 @@
         </p:nvSpPr>
         <p:spPr>
           <a:xfrm>
-            <a:off x="10264197" y="5905017"/>
+            <a:off x="10276971" y="5915271"/>
             <a:ext cx="1566859" cy="338554"/>
           </a:xfrm>
           <a:prstGeom prst="rect">
@@ -3867,9 +3867,9 @@
             <a:solidFill>
               <a:schemeClr val="tx1"/>
             </a:solidFill>
-            <a:prstDash val="dash"/>
-            <a:headEnd type="arrow"/>
-            <a:tailEnd type="arrow"/>
+            <a:prstDash val="sysDash"/>
+            <a:headEnd type="none"/>
+            <a:tailEnd type="none"/>
           </a:ln>
         </p:spPr>
         <p:style>
@@ -3913,7 +3913,7 @@
             <a:solidFill>
               <a:schemeClr val="tx1"/>
             </a:solidFill>
-            <a:prstDash val="solid"/>
+            <a:prstDash val="sysDash"/>
           </a:ln>
         </p:spPr>
         <p:style>
@@ -3957,7 +3957,7 @@
             <a:solidFill>
               <a:schemeClr val="tx1"/>
             </a:solidFill>
-            <a:prstDash val="solid"/>
+            <a:prstDash val="sysDash"/>
           </a:ln>
         </p:spPr>
         <p:style>
@@ -4065,8 +4065,8 @@
           </a:fontRef>
         </p:style>
       </p:cxnSp>
-      <mc:AlternateContent xmlns:mc="http://schemas.openxmlformats.org/markup-compatibility/2006">
-        <mc:Choice xmlns:a14="http://schemas.microsoft.com/office/drawing/2010/main" Requires="a14">
+      <mc:AlternateContent xmlns:mc="http://schemas.openxmlformats.org/markup-compatibility/2006" xmlns:a14="http://schemas.microsoft.com/office/drawing/2010/main">
+        <mc:Choice Requires="a14">
           <p:sp>
             <p:nvSpPr>
               <p:cNvPr id="48" name="テキスト ボックス 47">
@@ -4081,7 +4081,7 @@
             </p:nvSpPr>
             <p:spPr>
               <a:xfrm>
-                <a:off x="4839868" y="847128"/>
+                <a:off x="8794475" y="1105497"/>
                 <a:ext cx="1443857" cy="633828"/>
               </a:xfrm>
               <a:prstGeom prst="rect">
@@ -4196,7 +4196,7 @@
             </p:txBody>
           </p:sp>
         </mc:Choice>
-        <mc:Fallback>
+        <mc:Fallback xmlns="">
           <p:sp>
             <p:nvSpPr>
               <p:cNvPr id="48" name="テキスト ボックス 47">
@@ -4213,7 +4213,7 @@
             </p:nvSpPr>
             <p:spPr>
               <a:xfrm>
-                <a:off x="4839868" y="847128"/>
+                <a:off x="8794475" y="1105497"/>
                 <a:ext cx="1443857" cy="633828"/>
               </a:xfrm>
               <a:prstGeom prst="rect">
@@ -4222,7 +4222,7 @@
               <a:blipFill>
                 <a:blip r:embed="rId2"/>
                 <a:stretch>
-                  <a:fillRect l="-69298" t="-174510" r="-6140" b="-264706"/>
+                  <a:fillRect l="-67826" t="-174510" r="-6087" b="-264706"/>
                 </a:stretch>
               </a:blipFill>
             </p:spPr>
@@ -4241,8 +4241,8 @@
           </p:sp>
         </mc:Fallback>
       </mc:AlternateContent>
-      <mc:AlternateContent xmlns:mc="http://schemas.openxmlformats.org/markup-compatibility/2006">
-        <mc:Choice xmlns:a14="http://schemas.microsoft.com/office/drawing/2010/main" Requires="a14">
+      <mc:AlternateContent xmlns:mc="http://schemas.openxmlformats.org/markup-compatibility/2006" xmlns:a14="http://schemas.microsoft.com/office/drawing/2010/main">
+        <mc:Choice Requires="a14">
           <p:sp>
             <p:nvSpPr>
               <p:cNvPr id="50" name="テキスト ボックス 49">
@@ -4257,7 +4257,7 @@
             </p:nvSpPr>
             <p:spPr>
               <a:xfrm>
-                <a:off x="4820655" y="1543375"/>
+                <a:off x="8775262" y="1801744"/>
                 <a:ext cx="1445459" cy="633571"/>
               </a:xfrm>
               <a:prstGeom prst="rect">
@@ -4376,7 +4376,7 @@
             </p:txBody>
           </p:sp>
         </mc:Choice>
-        <mc:Fallback>
+        <mc:Fallback xmlns="">
           <p:sp>
             <p:nvSpPr>
               <p:cNvPr id="50" name="テキスト ボックス 49">
@@ -4393,7 +4393,7 @@
             </p:nvSpPr>
             <p:spPr>
               <a:xfrm>
-                <a:off x="4820655" y="1543375"/>
+                <a:off x="8775262" y="1801744"/>
                 <a:ext cx="1445459" cy="633571"/>
               </a:xfrm>
               <a:prstGeom prst="rect">
@@ -4402,7 +4402,7 @@
               <a:blipFill>
                 <a:blip r:embed="rId3"/>
                 <a:stretch>
-                  <a:fillRect l="-64348" t="-174510" r="-1739" b="-262745"/>
+                  <a:fillRect l="-65789" t="-180000" r="-1754" b="-268000"/>
                 </a:stretch>
               </a:blipFill>
             </p:spPr>
@@ -4604,12 +4604,17 @@
         </p:nvCxnSpPr>
         <p:spPr>
           <a:xfrm>
-            <a:off x="5893568" y="2858583"/>
+            <a:off x="9848175" y="3148267"/>
             <a:ext cx="695047" cy="0"/>
           </a:xfrm>
           <a:prstGeom prst="line">
             <a:avLst/>
           </a:prstGeom>
+          <a:ln>
+            <a:solidFill>
+              <a:schemeClr val="tx1"/>
+            </a:solidFill>
+          </a:ln>
         </p:spPr>
         <p:style>
           <a:lnRef idx="2">
@@ -5047,7 +5052,7 @@
         </p:nvSpPr>
         <p:spPr>
           <a:xfrm>
-            <a:off x="7250798" y="5265783"/>
+            <a:off x="7249542" y="5238597"/>
             <a:ext cx="348172" cy="369332"/>
           </a:xfrm>
           <a:prstGeom prst="rect">
@@ -5083,7 +5088,7 @@
         </p:nvSpPr>
         <p:spPr>
           <a:xfrm>
-            <a:off x="6050885" y="2484161"/>
+            <a:off x="10005492" y="2773845"/>
             <a:ext cx="348172" cy="369332"/>
           </a:xfrm>
           <a:prstGeom prst="rect">
@@ -5119,7 +5124,7 @@
         </p:nvSpPr>
         <p:spPr>
           <a:xfrm>
-            <a:off x="5890488" y="2900965"/>
+            <a:off x="9845095" y="3190649"/>
             <a:ext cx="678391" cy="369332"/>
           </a:xfrm>
           <a:prstGeom prst="rect">
@@ -5155,7 +5160,7 @@
         </p:nvSpPr>
         <p:spPr>
           <a:xfrm>
-            <a:off x="6534326" y="2680269"/>
+            <a:off x="10488933" y="2969953"/>
             <a:ext cx="925253" cy="369332"/>
           </a:xfrm>
           <a:prstGeom prst="rect">
@@ -5199,7 +5204,7 @@
         </p:nvSpPr>
         <p:spPr>
           <a:xfrm>
-            <a:off x="4750130" y="2695791"/>
+            <a:off x="8704737" y="2954160"/>
             <a:ext cx="250390" cy="369332"/>
           </a:xfrm>
           <a:prstGeom prst="rect">
@@ -5237,12 +5242,17 @@
         </p:nvCxnSpPr>
         <p:spPr>
           <a:xfrm>
-            <a:off x="5808270" y="2618723"/>
-            <a:ext cx="0" cy="523869"/>
+            <a:off x="9762877" y="2888534"/>
+            <a:ext cx="0" cy="462323"/>
           </a:xfrm>
           <a:prstGeom prst="line">
             <a:avLst/>
           </a:prstGeom>
+          <a:ln>
+            <a:solidFill>
+              <a:schemeClr val="tx1"/>
+            </a:solidFill>
+          </a:ln>
         </p:spPr>
         <p:style>
           <a:lnRef idx="2">
@@ -5259,8 +5269,8 @@
           </a:fontRef>
         </p:style>
       </p:cxnSp>
-      <mc:AlternateContent xmlns:mc="http://schemas.openxmlformats.org/markup-compatibility/2006">
-        <mc:Choice xmlns:a14="http://schemas.microsoft.com/office/drawing/2010/main" Requires="a14">
+      <mc:AlternateContent xmlns:mc="http://schemas.openxmlformats.org/markup-compatibility/2006" xmlns:a14="http://schemas.microsoft.com/office/drawing/2010/main">
+        <mc:Choice Requires="a14">
           <p:sp>
             <p:nvSpPr>
               <p:cNvPr id="2" name="テキスト ボックス 1">
@@ -5329,7 +5339,7 @@
             </p:txBody>
           </p:sp>
         </mc:Choice>
-        <mc:Fallback>
+        <mc:Fallback xmlns="">
           <p:sp>
             <p:nvSpPr>
               <p:cNvPr id="2" name="テキスト ボックス 1">
@@ -5374,8 +5384,8 @@
           </p:sp>
         </mc:Fallback>
       </mc:AlternateContent>
-      <mc:AlternateContent xmlns:mc="http://schemas.openxmlformats.org/markup-compatibility/2006">
-        <mc:Choice xmlns:a14="http://schemas.microsoft.com/office/drawing/2010/main" Requires="a14">
+      <mc:AlternateContent xmlns:mc="http://schemas.openxmlformats.org/markup-compatibility/2006" xmlns:a14="http://schemas.microsoft.com/office/drawing/2010/main">
+        <mc:Choice Requires="a14">
           <p:sp>
             <p:nvSpPr>
               <p:cNvPr id="3" name="テキスト ボックス 2">
@@ -5444,7 +5454,7 @@
             </p:txBody>
           </p:sp>
         </mc:Choice>
-        <mc:Fallback>
+        <mc:Fallback xmlns="">
           <p:sp>
             <p:nvSpPr>
               <p:cNvPr id="3" name="テキスト ボックス 2">
@@ -5489,8 +5499,8 @@
           </p:sp>
         </mc:Fallback>
       </mc:AlternateContent>
-      <mc:AlternateContent xmlns:mc="http://schemas.openxmlformats.org/markup-compatibility/2006">
-        <mc:Choice xmlns:a14="http://schemas.microsoft.com/office/drawing/2010/main" Requires="a14">
+      <mc:AlternateContent xmlns:mc="http://schemas.openxmlformats.org/markup-compatibility/2006" xmlns:a14="http://schemas.microsoft.com/office/drawing/2010/main">
+        <mc:Choice Requires="a14">
           <p:sp>
             <p:nvSpPr>
               <p:cNvPr id="4" name="テキスト ボックス 3">
@@ -5565,7 +5575,7 @@
             </p:txBody>
           </p:sp>
         </mc:Choice>
-        <mc:Fallback>
+        <mc:Fallback xmlns="">
           <p:sp>
             <p:nvSpPr>
               <p:cNvPr id="4" name="テキスト ボックス 3">
@@ -5610,8 +5620,8 @@
           </p:sp>
         </mc:Fallback>
       </mc:AlternateContent>
-      <mc:AlternateContent xmlns:mc="http://schemas.openxmlformats.org/markup-compatibility/2006">
-        <mc:Choice xmlns:a14="http://schemas.microsoft.com/office/drawing/2010/main" Requires="a14">
+      <mc:AlternateContent xmlns:mc="http://schemas.openxmlformats.org/markup-compatibility/2006" xmlns:a14="http://schemas.microsoft.com/office/drawing/2010/main">
+        <mc:Choice Requires="a14">
           <p:sp>
             <p:nvSpPr>
               <p:cNvPr id="6" name="テキスト ボックス 5">
@@ -5626,7 +5636,7 @@
             </p:nvSpPr>
             <p:spPr>
               <a:xfrm>
-                <a:off x="4356650" y="2269055"/>
+                <a:off x="8311257" y="2527424"/>
                 <a:ext cx="309187" cy="276999"/>
               </a:xfrm>
               <a:prstGeom prst="rect">
@@ -5680,7 +5690,7 @@
             </p:txBody>
           </p:sp>
         </mc:Choice>
-        <mc:Fallback>
+        <mc:Fallback xmlns="">
           <p:sp>
             <p:nvSpPr>
               <p:cNvPr id="6" name="テキスト ボックス 5">
@@ -5697,7 +5707,7 @@
             </p:nvSpPr>
             <p:spPr>
               <a:xfrm>
-                <a:off x="4356650" y="2269055"/>
+                <a:off x="8311257" y="2527424"/>
                 <a:ext cx="309187" cy="276999"/>
               </a:xfrm>
               <a:prstGeom prst="rect">
@@ -5706,7 +5716,7 @@
               <a:blipFill>
                 <a:blip r:embed="rId7"/>
                 <a:stretch>
-                  <a:fillRect l="-12000" b="-13043"/>
+                  <a:fillRect l="-8000" r="-4000" b="-18182"/>
                 </a:stretch>
               </a:blipFill>
             </p:spPr>
@@ -5725,8 +5735,8 @@
           </p:sp>
         </mc:Fallback>
       </mc:AlternateContent>
-      <mc:AlternateContent xmlns:mc="http://schemas.openxmlformats.org/markup-compatibility/2006">
-        <mc:Choice xmlns:a14="http://schemas.microsoft.com/office/drawing/2010/main" Requires="a14">
+      <mc:AlternateContent xmlns:mc="http://schemas.openxmlformats.org/markup-compatibility/2006" xmlns:a14="http://schemas.microsoft.com/office/drawing/2010/main">
+        <mc:Choice Requires="a14">
           <p:sp>
             <p:nvSpPr>
               <p:cNvPr id="8" name="テキスト ボックス 7">
@@ -5741,7 +5751,7 @@
             </p:nvSpPr>
             <p:spPr>
               <a:xfrm>
-                <a:off x="10566487" y="5651536"/>
+                <a:off x="10566487" y="5631658"/>
                 <a:ext cx="196144" cy="276999"/>
               </a:xfrm>
               <a:prstGeom prst="rect">
@@ -5776,7 +5786,7 @@
             </p:txBody>
           </p:sp>
         </mc:Choice>
-        <mc:Fallback>
+        <mc:Fallback xmlns="">
           <p:sp>
             <p:nvSpPr>
               <p:cNvPr id="8" name="テキスト ボックス 7">
@@ -5793,7 +5803,7 @@
             </p:nvSpPr>
             <p:spPr>
               <a:xfrm>
-                <a:off x="10566487" y="5651536"/>
+                <a:off x="10566487" y="5631658"/>
                 <a:ext cx="196144" cy="276999"/>
               </a:xfrm>
               <a:prstGeom prst="rect">
@@ -5821,8 +5831,8 @@
           </p:sp>
         </mc:Fallback>
       </mc:AlternateContent>
-      <mc:AlternateContent xmlns:mc="http://schemas.openxmlformats.org/markup-compatibility/2006">
-        <mc:Choice xmlns:a14="http://schemas.microsoft.com/office/drawing/2010/main" Requires="a14">
+      <mc:AlternateContent xmlns:mc="http://schemas.openxmlformats.org/markup-compatibility/2006" xmlns:a14="http://schemas.microsoft.com/office/drawing/2010/main">
+        <mc:Choice Requires="a14">
           <p:sp>
             <p:nvSpPr>
               <p:cNvPr id="9" name="テキスト ボックス 8">
@@ -5837,7 +5847,7 @@
             </p:nvSpPr>
             <p:spPr>
               <a:xfrm>
-                <a:off x="5018000" y="2743189"/>
+                <a:off x="8972607" y="3001558"/>
                 <a:ext cx="773225" cy="276999"/>
               </a:xfrm>
               <a:prstGeom prst="rect">
@@ -5893,7 +5903,7 @@
             </p:txBody>
           </p:sp>
         </mc:Choice>
-        <mc:Fallback>
+        <mc:Fallback xmlns="">
           <p:sp>
             <p:nvSpPr>
               <p:cNvPr id="9" name="テキスト ボックス 8">
@@ -5910,7 +5920,7 @@
             </p:nvSpPr>
             <p:spPr>
               <a:xfrm>
-                <a:off x="5018000" y="2743189"/>
+                <a:off x="8972607" y="3001558"/>
                 <a:ext cx="773225" cy="276999"/>
               </a:xfrm>
               <a:prstGeom prst="rect">
@@ -5919,7 +5929,7 @@
               <a:blipFill>
                 <a:blip r:embed="rId9"/>
                 <a:stretch>
-                  <a:fillRect l="-6452" t="-9091" r="-8065" b="-40909"/>
+                  <a:fillRect l="-4839" t="-8696" r="-9677" b="-34783"/>
                 </a:stretch>
               </a:blipFill>
             </p:spPr>
@@ -5952,7 +5962,7 @@
         </p:nvSpPr>
         <p:spPr>
           <a:xfrm>
-            <a:off x="4302356" y="1061615"/>
+            <a:off x="8256963" y="1319984"/>
             <a:ext cx="482604" cy="369332"/>
           </a:xfrm>
           <a:prstGeom prst="rect">
@@ -5992,7 +6002,7 @@
         </p:nvSpPr>
         <p:spPr>
           <a:xfrm>
-            <a:off x="4302356" y="1700239"/>
+            <a:off x="8256963" y="1958608"/>
             <a:ext cx="482604" cy="369332"/>
           </a:xfrm>
           <a:prstGeom prst="rect">
@@ -6058,8 +6068,8 @@
           </a:p>
         </p:txBody>
       </p:sp>
-      <mc:AlternateContent xmlns:mc="http://schemas.openxmlformats.org/markup-compatibility/2006">
-        <mc:Choice xmlns:a14="http://schemas.microsoft.com/office/drawing/2010/main" Requires="a14">
+      <mc:AlternateContent xmlns:mc="http://schemas.openxmlformats.org/markup-compatibility/2006" xmlns:a14="http://schemas.microsoft.com/office/drawing/2010/main">
+        <mc:Choice Requires="a14">
           <p:sp>
             <p:nvSpPr>
               <p:cNvPr id="21" name="テキスト ボックス 20">
@@ -6128,7 +6138,7 @@
             </p:txBody>
           </p:sp>
         </mc:Choice>
-        <mc:Fallback>
+        <mc:Fallback xmlns="">
           <p:sp>
             <p:nvSpPr>
               <p:cNvPr id="21" name="テキスト ボックス 20">
@@ -6223,8 +6233,8 @@
         </p:nvSpPr>
         <p:spPr>
           <a:xfrm>
-            <a:off x="67641" y="5909873"/>
-            <a:ext cx="1552417" cy="338554"/>
+            <a:off x="186910" y="5909873"/>
+            <a:ext cx="1346760" cy="338554"/>
           </a:xfrm>
           <a:prstGeom prst="rect">
             <a:avLst/>
@@ -6301,7 +6311,7 @@
         </p:nvSpPr>
         <p:spPr>
           <a:xfrm>
-            <a:off x="3414204" y="5905017"/>
+            <a:off x="3374323" y="5915271"/>
             <a:ext cx="1253591" cy="338554"/>
           </a:xfrm>
           <a:prstGeom prst="rect">
@@ -6337,7 +6347,7 @@
         </p:nvSpPr>
         <p:spPr>
           <a:xfrm>
-            <a:off x="7502437" y="5905017"/>
+            <a:off x="7490399" y="5916278"/>
             <a:ext cx="1421949" cy="338554"/>
           </a:xfrm>
           <a:prstGeom prst="rect">
@@ -6373,7 +6383,7 @@
         </p:nvSpPr>
         <p:spPr>
           <a:xfrm>
-            <a:off x="6107873" y="3818953"/>
+            <a:off x="8309050" y="3631082"/>
             <a:ext cx="2340705" cy="338554"/>
           </a:xfrm>
           <a:prstGeom prst="rect">
@@ -6429,7 +6439,7 @@
         </p:nvSpPr>
         <p:spPr>
           <a:xfrm>
-            <a:off x="4682273" y="2268989"/>
+            <a:off x="8636880" y="2527358"/>
             <a:ext cx="417102" cy="369332"/>
           </a:xfrm>
           <a:prstGeom prst="rect">
@@ -6455,8 +6465,8 @@
           </a:p>
         </p:txBody>
       </p:sp>
-      <mc:AlternateContent xmlns:mc="http://schemas.openxmlformats.org/markup-compatibility/2006">
-        <mc:Choice xmlns:a14="http://schemas.microsoft.com/office/drawing/2010/main" Requires="a14">
+      <mc:AlternateContent xmlns:mc="http://schemas.openxmlformats.org/markup-compatibility/2006" xmlns:a14="http://schemas.microsoft.com/office/drawing/2010/main">
+        <mc:Choice Requires="a14">
           <p:sp>
             <p:nvSpPr>
               <p:cNvPr id="40" name="テキスト ボックス 39">
@@ -6471,7 +6481,7 @@
             </p:nvSpPr>
             <p:spPr>
               <a:xfrm>
-                <a:off x="5082418" y="2261817"/>
+                <a:off x="9037025" y="2520186"/>
                 <a:ext cx="304314" cy="298415"/>
               </a:xfrm>
               <a:prstGeom prst="rect">
@@ -6525,7 +6535,7 @@
             </p:txBody>
           </p:sp>
         </mc:Choice>
-        <mc:Fallback>
+        <mc:Fallback xmlns="">
           <p:sp>
             <p:nvSpPr>
               <p:cNvPr id="40" name="テキスト ボックス 39">
@@ -6542,7 +6552,7 @@
             </p:nvSpPr>
             <p:spPr>
               <a:xfrm>
-                <a:off x="5082418" y="2261817"/>
+                <a:off x="9037025" y="2520186"/>
                 <a:ext cx="304314" cy="298415"/>
               </a:xfrm>
               <a:prstGeom prst="rect">
@@ -6551,7 +6561,7 @@
               <a:blipFill>
                 <a:blip r:embed="rId11"/>
                 <a:stretch>
-                  <a:fillRect l="-12000" r="-4000" b="-20833"/>
+                  <a:fillRect l="-8000" r="-4000" b="-25000"/>
                 </a:stretch>
               </a:blipFill>
             </p:spPr>
@@ -6570,8 +6580,8 @@
           </p:sp>
         </mc:Fallback>
       </mc:AlternateContent>
-      <mc:AlternateContent xmlns:mc="http://schemas.openxmlformats.org/markup-compatibility/2006">
-        <mc:Choice xmlns:a14="http://schemas.microsoft.com/office/drawing/2010/main" Requires="a14">
+      <mc:AlternateContent xmlns:mc="http://schemas.openxmlformats.org/markup-compatibility/2006" xmlns:a14="http://schemas.microsoft.com/office/drawing/2010/main">
+        <mc:Choice Requires="a14">
           <p:sp>
             <p:nvSpPr>
               <p:cNvPr id="42" name="テキスト ボックス 41">
@@ -6638,7 +6648,7 @@
             </p:txBody>
           </p:sp>
         </mc:Choice>
-        <mc:Fallback>
+        <mc:Fallback xmlns="">
           <p:sp>
             <p:nvSpPr>
               <p:cNvPr id="42" name="テキスト ボックス 41">
@@ -6719,8 +6729,8 @@
           </a:p>
         </p:txBody>
       </p:sp>
-      <mc:AlternateContent xmlns:mc="http://schemas.openxmlformats.org/markup-compatibility/2006">
-        <mc:Choice xmlns:a14="http://schemas.microsoft.com/office/drawing/2010/main" Requires="a14">
+      <mc:AlternateContent xmlns:mc="http://schemas.openxmlformats.org/markup-compatibility/2006" xmlns:a14="http://schemas.microsoft.com/office/drawing/2010/main">
+        <mc:Choice Requires="a14">
           <p:sp>
             <p:nvSpPr>
               <p:cNvPr id="11" name="テキスト ボックス 10">
@@ -6735,8 +6745,8 @@
             </p:nvSpPr>
             <p:spPr>
               <a:xfrm>
-                <a:off x="7424884" y="790270"/>
-                <a:ext cx="4661854" cy="1107996"/>
+                <a:off x="4298873" y="761311"/>
+                <a:ext cx="3594254" cy="1354217"/>
               </a:xfrm>
               <a:prstGeom prst="rect">
                 <a:avLst/>
@@ -6779,7 +6789,17 @@
                 </a:r>
                 <a:r>
                   <a:rPr kumimoji="1" lang="en-US" altLang="ja-JP" sz="1600"/>
-                  <a:t> Decay period + Sustain period</a:t>
+                  <a:t> </a:t>
+                </a:r>
+              </a:p>
+              <a:p>
+                <a:r>
+                  <a:rPr lang="en-US" altLang="ja-JP" sz="1600"/>
+                  <a:t>        </a:t>
+                </a:r>
+                <a:r>
+                  <a:rPr kumimoji="1" lang="en-US" altLang="ja-JP" sz="1600"/>
+                  <a:t>Decay period + Sustain period</a:t>
                 </a:r>
               </a:p>
               <a:p>
@@ -6818,14 +6838,14 @@
                 </a14:m>
                 <a:r>
                   <a:rPr kumimoji="1" lang="en-US" altLang="ja-JP" sz="1600"/>
-                  <a:t> is exist</a:t>
+                  <a:t> exists</a:t>
                 </a:r>
                 <a:endParaRPr kumimoji="1" lang="ja-JP" altLang="en-US" sz="1600"/>
               </a:p>
             </p:txBody>
           </p:sp>
         </mc:Choice>
-        <mc:Fallback>
+        <mc:Fallback xmlns="">
           <p:sp>
             <p:nvSpPr>
               <p:cNvPr id="11" name="テキスト ボックス 10">
@@ -6842,8 +6862,8 @@
             </p:nvSpPr>
             <p:spPr>
               <a:xfrm>
-                <a:off x="7424884" y="790270"/>
-                <a:ext cx="4661854" cy="1107996"/>
+                <a:off x="4298873" y="761311"/>
+                <a:ext cx="3594254" cy="1354217"/>
               </a:xfrm>
               <a:prstGeom prst="rect">
                 <a:avLst/>
@@ -6851,7 +6871,7 @@
               <a:blipFill>
                 <a:blip r:embed="rId13"/>
                 <a:stretch>
-                  <a:fillRect l="-1087" t="-2273" b="-6818"/>
+                  <a:fillRect l="-1408" t="-2804" b="-5607"/>
                 </a:stretch>
               </a:blipFill>
             </p:spPr>
@@ -6870,8 +6890,8 @@
           </p:sp>
         </mc:Fallback>
       </mc:AlternateContent>
-      <mc:AlternateContent xmlns:mc="http://schemas.openxmlformats.org/markup-compatibility/2006">
-        <mc:Choice xmlns:a14="http://schemas.microsoft.com/office/drawing/2010/main" Requires="a14">
+      <mc:AlternateContent xmlns:mc="http://schemas.openxmlformats.org/markup-compatibility/2006" xmlns:a14="http://schemas.microsoft.com/office/drawing/2010/main">
+        <mc:Choice Requires="a14">
           <p:sp>
             <p:nvSpPr>
               <p:cNvPr id="17" name="テキスト ボックス 16">
@@ -6940,7 +6960,7 @@
             </p:txBody>
           </p:sp>
         </mc:Choice>
-        <mc:Fallback>
+        <mc:Fallback xmlns="">
           <p:sp>
             <p:nvSpPr>
               <p:cNvPr id="17" name="テキスト ボックス 16">
@@ -6999,7 +7019,7 @@
         </p:nvSpPr>
         <p:spPr>
           <a:xfrm>
-            <a:off x="9131209" y="5907655"/>
+            <a:off x="9125190" y="5916445"/>
             <a:ext cx="1151781" cy="338554"/>
           </a:xfrm>
           <a:prstGeom prst="rect">
@@ -7037,8 +7057,8 @@
         </p:nvCxnSpPr>
         <p:spPr>
           <a:xfrm>
-            <a:off x="9865188" y="4948338"/>
-            <a:ext cx="0" cy="635074"/>
+            <a:off x="9865188" y="4935557"/>
+            <a:ext cx="0" cy="647855"/>
           </a:xfrm>
           <a:prstGeom prst="line">
             <a:avLst/>
@@ -7047,7 +7067,7 @@
             <a:solidFill>
               <a:schemeClr val="tx1"/>
             </a:solidFill>
-            <a:prstDash val="dash"/>
+            <a:prstDash val="sysDash"/>
             <a:headEnd type="none"/>
             <a:tailEnd type="none"/>
           </a:ln>
@@ -7083,8 +7103,8 @@
         </p:nvCxnSpPr>
         <p:spPr>
           <a:xfrm>
-            <a:off x="7502337" y="5241161"/>
-            <a:ext cx="2390411" cy="2966"/>
+            <a:off x="7532868" y="5233110"/>
+            <a:ext cx="2326553" cy="0"/>
           </a:xfrm>
           <a:prstGeom prst="line">
             <a:avLst/>
@@ -7149,6 +7169,148 @@
               <a:rPr kumimoji="1" lang="en-US" altLang="ja-JP"/>
               <a:t>Sustain period</a:t>
             </a:r>
+            <a:endParaRPr kumimoji="1" lang="ja-JP" altLang="en-US"/>
+          </a:p>
+        </p:txBody>
+      </p:sp>
+      <p:sp>
+        <p:nvSpPr>
+          <p:cNvPr id="38" name="テキスト ボックス 37">
+            <a:extLst>
+              <a:ext uri="{FF2B5EF4-FFF2-40B4-BE49-F238E27FC236}">
+                <a16:creationId xmlns:a16="http://schemas.microsoft.com/office/drawing/2014/main" id="{B4B724D3-F324-5196-1C4C-9B77473C9A1C}"/>
+              </a:ext>
+            </a:extLst>
+          </p:cNvPr>
+          <p:cNvSpPr txBox="1"/>
+          <p:nvPr/>
+        </p:nvSpPr>
+        <p:spPr>
+          <a:xfrm>
+            <a:off x="8158870" y="775204"/>
+            <a:ext cx="1359668" cy="369332"/>
+          </a:xfrm>
+          <a:prstGeom prst="rect">
+            <a:avLst/>
+          </a:prstGeom>
+          <a:noFill/>
+        </p:spPr>
+        <p:txBody>
+          <a:bodyPr wrap="none" rtlCol="0">
+            <a:spAutoFit/>
+          </a:bodyPr>
+          <a:lstStyle/>
+          <a:p>
+            <a:r>
+              <a:rPr kumimoji="1" lang="en-US" altLang="ja-JP"/>
+              <a:t>Definition :</a:t>
+            </a:r>
+            <a:endParaRPr kumimoji="1" lang="ja-JP" altLang="en-US"/>
+          </a:p>
+        </p:txBody>
+      </p:sp>
+      <p:sp>
+        <p:nvSpPr>
+          <p:cNvPr id="45" name="正方形/長方形 44">
+            <a:extLst>
+              <a:ext uri="{FF2B5EF4-FFF2-40B4-BE49-F238E27FC236}">
+                <a16:creationId xmlns:a16="http://schemas.microsoft.com/office/drawing/2014/main" id="{2EF479FF-A072-2AD5-18B9-1A9F02760EEB}"/>
+              </a:ext>
+            </a:extLst>
+          </p:cNvPr>
+          <p:cNvSpPr/>
+          <p:nvPr/>
+        </p:nvSpPr>
+        <p:spPr>
+          <a:xfrm>
+            <a:off x="4298873" y="603168"/>
+            <a:ext cx="3522230" cy="1598503"/>
+          </a:xfrm>
+          <a:prstGeom prst="rect">
+            <a:avLst/>
+          </a:prstGeom>
+          <a:solidFill>
+            <a:schemeClr val="bg1">
+              <a:lumMod val="75000"/>
+              <a:alpha val="10000"/>
+            </a:schemeClr>
+          </a:solidFill>
+          <a:ln w="12700"/>
+        </p:spPr>
+        <p:style>
+          <a:lnRef idx="2">
+            <a:schemeClr val="accent1">
+              <a:shade val="15000"/>
+            </a:schemeClr>
+          </a:lnRef>
+          <a:fillRef idx="1">
+            <a:schemeClr val="accent1"/>
+          </a:fillRef>
+          <a:effectRef idx="0">
+            <a:schemeClr val="accent1"/>
+          </a:effectRef>
+          <a:fontRef idx="minor">
+            <a:schemeClr val="lt1"/>
+          </a:fontRef>
+        </p:style>
+        <p:txBody>
+          <a:bodyPr rtlCol="0" anchor="ctr"/>
+          <a:lstStyle/>
+          <a:p>
+            <a:pPr algn="ctr"/>
+            <a:endParaRPr kumimoji="1" lang="ja-JP" altLang="en-US"/>
+          </a:p>
+        </p:txBody>
+      </p:sp>
+      <p:sp>
+        <p:nvSpPr>
+          <p:cNvPr id="46" name="正方形/長方形 45">
+            <a:extLst>
+              <a:ext uri="{FF2B5EF4-FFF2-40B4-BE49-F238E27FC236}">
+                <a16:creationId xmlns:a16="http://schemas.microsoft.com/office/drawing/2014/main" id="{4E0B8145-2186-0DDA-CCBE-47BB54D0D94D}"/>
+              </a:ext>
+            </a:extLst>
+          </p:cNvPr>
+          <p:cNvSpPr/>
+          <p:nvPr/>
+        </p:nvSpPr>
+        <p:spPr>
+          <a:xfrm>
+            <a:off x="8172882" y="605977"/>
+            <a:ext cx="3241300" cy="3449185"/>
+          </a:xfrm>
+          <a:prstGeom prst="rect">
+            <a:avLst/>
+          </a:prstGeom>
+          <a:solidFill>
+            <a:schemeClr val="bg1">
+              <a:lumMod val="75000"/>
+              <a:alpha val="10000"/>
+            </a:schemeClr>
+          </a:solidFill>
+          <a:ln w="12700"/>
+        </p:spPr>
+        <p:style>
+          <a:lnRef idx="2">
+            <a:schemeClr val="accent1">
+              <a:shade val="15000"/>
+            </a:schemeClr>
+          </a:lnRef>
+          <a:fillRef idx="1">
+            <a:schemeClr val="accent1"/>
+          </a:fillRef>
+          <a:effectRef idx="0">
+            <a:schemeClr val="accent1"/>
+          </a:effectRef>
+          <a:fontRef idx="minor">
+            <a:schemeClr val="lt1"/>
+          </a:fontRef>
+        </p:style>
+        <p:txBody>
+          <a:bodyPr rtlCol="0" anchor="ctr"/>
+          <a:lstStyle/>
+          <a:p>
+            <a:pPr algn="ctr"/>
             <a:endParaRPr kumimoji="1" lang="ja-JP" altLang="en-US"/>
           </a:p>
         </p:txBody>
